--- a/essay/复赛答辩.pptx
+++ b/essay/复赛答辩.pptx
@@ -5,13 +5,29 @@
     <p:sldMasterId id="2147483672" r:id="rId1"/>
   </p:sldMasterIdLst>
   <p:notesMasterIdLst>
-    <p:notesMasterId r:id="rId6"/>
+    <p:notesMasterId r:id="rId22"/>
   </p:notesMasterIdLst>
   <p:sldIdLst>
     <p:sldId id="572" r:id="rId2"/>
     <p:sldId id="573" r:id="rId3"/>
     <p:sldId id="575" r:id="rId4"/>
     <p:sldId id="574" r:id="rId5"/>
+    <p:sldId id="576" r:id="rId6"/>
+    <p:sldId id="581" r:id="rId7"/>
+    <p:sldId id="582" r:id="rId8"/>
+    <p:sldId id="583" r:id="rId9"/>
+    <p:sldId id="584" r:id="rId10"/>
+    <p:sldId id="585" r:id="rId11"/>
+    <p:sldId id="586" r:id="rId12"/>
+    <p:sldId id="588" r:id="rId13"/>
+    <p:sldId id="580" r:id="rId14"/>
+    <p:sldId id="589" r:id="rId15"/>
+    <p:sldId id="590" r:id="rId16"/>
+    <p:sldId id="591" r:id="rId17"/>
+    <p:sldId id="592" r:id="rId18"/>
+    <p:sldId id="577" r:id="rId19"/>
+    <p:sldId id="578" r:id="rId20"/>
+    <p:sldId id="579" r:id="rId21"/>
   </p:sldIdLst>
   <p:sldSz cx="9144000" cy="5143500" type="screen16x9"/>
   <p:notesSz cx="6858000" cy="9144000"/>
@@ -211,7 +227,7 @@
           <a:p>
             <a:fld id="{AA0DFCB8-7EF4-48C1-8984-7222E239D7EE}" type="datetimeFigureOut">
               <a:rPr lang="zh-CN" altLang="en-US" smtClean="0"/>
-              <a:t>2022/5/31</a:t>
+              <a:t>2022/6/1</a:t>
             </a:fld>
             <a:endParaRPr lang="zh-CN" altLang="en-US"/>
           </a:p>
@@ -1852,7 +1868,7 @@
           <a:p>
             <a:fld id="{D669989D-4831-4E99-B76E-9A53CB0F3A88}" type="datetimeFigureOut">
               <a:rPr lang="zh-CN" altLang="en-US" smtClean="0"/>
-              <a:t>2022/5/31</a:t>
+              <a:t>2022/6/1</a:t>
             </a:fld>
             <a:endParaRPr lang="zh-CN" altLang="en-US"/>
           </a:p>
@@ -2174,7 +2190,7 @@
           <a:p>
             <a:fld id="{D669989D-4831-4E99-B76E-9A53CB0F3A88}" type="datetimeFigureOut">
               <a:rPr lang="zh-CN" altLang="en-US" smtClean="0"/>
-              <a:t>2022/5/31</a:t>
+              <a:t>2022/6/1</a:t>
             </a:fld>
             <a:endParaRPr lang="zh-CN" altLang="en-US"/>
           </a:p>
@@ -3045,7 +3061,7 @@
           <a:p>
             <a:fld id="{D669989D-4831-4E99-B76E-9A53CB0F3A88}" type="datetimeFigureOut">
               <a:rPr lang="zh-CN" altLang="en-US" smtClean="0"/>
-              <a:t>2022/5/31</a:t>
+              <a:t>2022/6/1</a:t>
             </a:fld>
             <a:endParaRPr lang="zh-CN" altLang="en-US"/>
           </a:p>
@@ -3267,7 +3283,7 @@
           <a:p>
             <a:fld id="{D669989D-4831-4E99-B76E-9A53CB0F3A88}" type="datetimeFigureOut">
               <a:rPr lang="zh-CN" altLang="en-US" smtClean="0"/>
-              <a:t>2022/5/31</a:t>
+              <a:t>2022/6/1</a:t>
             </a:fld>
             <a:endParaRPr lang="zh-CN" altLang="en-US"/>
           </a:p>
@@ -3489,7 +3505,7 @@
           <a:p>
             <a:fld id="{D669989D-4831-4E99-B76E-9A53CB0F3A88}" type="datetimeFigureOut">
               <a:rPr lang="zh-CN" altLang="en-US" smtClean="0"/>
-              <a:t>2022/5/31</a:t>
+              <a:t>2022/6/1</a:t>
             </a:fld>
             <a:endParaRPr lang="zh-CN" altLang="en-US"/>
           </a:p>
@@ -4802,7 +4818,7 @@
         <p:spPr>
           <a:xfrm>
             <a:off x="5110480" y="2943162"/>
-            <a:ext cx="4422078" cy="338554"/>
+            <a:ext cx="3497959" cy="338554"/>
           </a:xfrm>
           <a:prstGeom prst="rect">
             <a:avLst/>
@@ -4823,7 +4839,7 @@
                   </a:schemeClr>
                 </a:solidFill>
               </a:rPr>
-              <a:t>指导老师 什么都没做</a:t>
+              <a:t>指导老师 令辉</a:t>
             </a:r>
             <a:r>
               <a:rPr lang="en-US" altLang="zh-CN" sz="1600" dirty="0">
@@ -4843,7 +4859,7 @@
                   </a:schemeClr>
                 </a:solidFill>
               </a:rPr>
-              <a:t>孔令辉</a:t>
+              <a:t>什么都没做</a:t>
             </a:r>
             <a:r>
               <a:rPr lang="en-US" altLang="zh-CN" sz="1600" dirty="0">
@@ -4864,6 +4880,26 @@
                 </a:solidFill>
               </a:rPr>
               <a:t>他也配</a:t>
+            </a:r>
+            <a:r>
+              <a:rPr lang="en-US" altLang="zh-CN" sz="1600" dirty="0">
+                <a:solidFill>
+                  <a:schemeClr val="bg1">
+                    <a:lumMod val="50000"/>
+                  </a:schemeClr>
+                </a:solidFill>
+              </a:rPr>
+              <a:t>·</a:t>
+            </a:r>
+            <a:r>
+              <a:rPr lang="zh-CN" altLang="en-US" sz="1600" dirty="0">
+                <a:solidFill>
+                  <a:schemeClr val="bg1">
+                    <a:lumMod val="50000"/>
+                  </a:schemeClr>
+                </a:solidFill>
+              </a:rPr>
+              <a:t>孔</a:t>
             </a:r>
             <a:endParaRPr lang="en-US" altLang="zh-CN" sz="1600" dirty="0">
               <a:solidFill>
@@ -4885,16 +4921,2084 @@
   <p:clrMapOvr>
     <a:masterClrMapping/>
   </p:clrMapOvr>
-  <mc:AlternateContent xmlns:mc="http://schemas.openxmlformats.org/markup-compatibility/2006" xmlns:p14="http://schemas.microsoft.com/office/powerpoint/2010/main">
-    <mc:Choice Requires="p14">
-      <p:transition spd="slow" p14:dur="1500">
-        <p:random/>
-      </p:transition>
+  <mc:AlternateContent xmlns:mc="http://schemas.openxmlformats.org/markup-compatibility/2006">
+    <mc:Choice xmlns:p14="http://schemas.microsoft.com/office/powerpoint/2010/main" Requires="p14">
+      <p:transition p14:dur="0"/>
     </mc:Choice>
-    <mc:Fallback xmlns="">
-      <p:transition spd="slow">
-        <p:random/>
-      </p:transition>
+    <mc:Fallback>
+      <p:transition/>
+    </mc:Fallback>
+  </mc:AlternateContent>
+</p:sld>
+</file>
+
+<file path=ppt/slides/slide10.xml><?xml version="1.0" encoding="utf-8"?>
+<p:sld xmlns:a="http://schemas.openxmlformats.org/drawingml/2006/main" xmlns:r="http://schemas.openxmlformats.org/officeDocument/2006/relationships" xmlns:p="http://schemas.openxmlformats.org/presentationml/2006/main">
+  <p:cSld>
+    <p:spTree>
+      <p:nvGrpSpPr>
+        <p:cNvPr id="1" name=""/>
+        <p:cNvGrpSpPr/>
+        <p:nvPr/>
+      </p:nvGrpSpPr>
+      <p:grpSpPr>
+        <a:xfrm>
+          <a:off x="0" y="0"/>
+          <a:ext cx="0" cy="0"/>
+          <a:chOff x="0" y="0"/>
+          <a:chExt cx="0" cy="0"/>
+        </a:xfrm>
+      </p:grpSpPr>
+      <p:sp>
+        <p:nvSpPr>
+          <p:cNvPr id="4" name="文本框 3">
+            <a:extLst>
+              <a:ext uri="{FF2B5EF4-FFF2-40B4-BE49-F238E27FC236}">
+                <a16:creationId xmlns:a16="http://schemas.microsoft.com/office/drawing/2014/main" id="{209567F4-9B5C-49B6-93DE-AFA16503E766}"/>
+              </a:ext>
+            </a:extLst>
+          </p:cNvPr>
+          <p:cNvSpPr txBox="1"/>
+          <p:nvPr/>
+        </p:nvSpPr>
+        <p:spPr>
+          <a:xfrm>
+            <a:off x="342898" y="330200"/>
+            <a:ext cx="7245349" cy="461665"/>
+          </a:xfrm>
+          <a:prstGeom prst="rect">
+            <a:avLst/>
+          </a:prstGeom>
+          <a:noFill/>
+        </p:spPr>
+        <p:txBody>
+          <a:bodyPr wrap="square" rtlCol="0">
+            <a:spAutoFit/>
+          </a:bodyPr>
+          <a:lstStyle/>
+          <a:p>
+            <a:r>
+              <a:rPr lang="en-US" altLang="zh-CN" sz="2400" dirty="0"/>
+              <a:t>|&gt; </a:t>
+            </a:r>
+            <a:r>
+              <a:rPr lang="zh-CN" altLang="en-US" sz="2400" dirty="0"/>
+              <a:t>模型建立</a:t>
+            </a:r>
+            <a:r>
+              <a:rPr lang="en-US" altLang="zh-CN" sz="2400" dirty="0"/>
+              <a:t> </a:t>
+            </a:r>
+            <a:r>
+              <a:rPr lang="zh-CN" altLang="en-US" sz="2400" dirty="0"/>
+              <a:t>（</a:t>
+            </a:r>
+            <a:r>
+              <a:rPr lang="en-US" altLang="zh-CN" sz="2400" dirty="0">
+                <a:latin typeface="+mn-ea"/>
+              </a:rPr>
+              <a:t> SNA</a:t>
+            </a:r>
+            <a:r>
+              <a:rPr lang="zh-CN" altLang="en-US" sz="2400" dirty="0"/>
+              <a:t>算法的理论实现）</a:t>
+            </a:r>
+          </a:p>
+        </p:txBody>
+      </p:sp>
+      <p:grpSp>
+        <p:nvGrpSpPr>
+          <p:cNvPr id="15" name="组合 14">
+            <a:extLst>
+              <a:ext uri="{FF2B5EF4-FFF2-40B4-BE49-F238E27FC236}">
+                <a16:creationId xmlns:a16="http://schemas.microsoft.com/office/drawing/2014/main" id="{A3E8CB16-D391-4549-BFC1-F46F92775CB9}"/>
+              </a:ext>
+            </a:extLst>
+          </p:cNvPr>
+          <p:cNvGrpSpPr/>
+          <p:nvPr/>
+        </p:nvGrpSpPr>
+        <p:grpSpPr>
+          <a:xfrm>
+            <a:off x="342898" y="1393111"/>
+            <a:ext cx="8465560" cy="2330638"/>
+            <a:chOff x="342898" y="1393111"/>
+            <a:chExt cx="8465560" cy="2330638"/>
+          </a:xfrm>
+        </p:grpSpPr>
+        <mc:AlternateContent xmlns:mc="http://schemas.openxmlformats.org/markup-compatibility/2006">
+          <mc:Choice xmlns:a14="http://schemas.microsoft.com/office/drawing/2010/main" Requires="a14">
+            <p:sp>
+              <p:nvSpPr>
+                <p:cNvPr id="6" name="文本框 5">
+                  <a:extLst>
+                    <a:ext uri="{FF2B5EF4-FFF2-40B4-BE49-F238E27FC236}">
+                      <a16:creationId xmlns:a16="http://schemas.microsoft.com/office/drawing/2014/main" id="{2B795E92-C82B-46B1-97E7-01980E96AE9E}"/>
+                    </a:ext>
+                  </a:extLst>
+                </p:cNvPr>
+                <p:cNvSpPr txBox="1"/>
+                <p:nvPr/>
+              </p:nvSpPr>
+              <p:spPr>
+                <a:xfrm>
+                  <a:off x="342898" y="1393111"/>
+                  <a:ext cx="8465560" cy="2330638"/>
+                </a:xfrm>
+                <a:prstGeom prst="rect">
+                  <a:avLst/>
+                </a:prstGeom>
+                <a:noFill/>
+              </p:spPr>
+              <p:txBody>
+                <a:bodyPr wrap="square" rtlCol="0">
+                  <a:spAutoFit/>
+                </a:bodyPr>
+                <a:lstStyle/>
+                <a:p>
+                  <a:pPr marL="285750" indent="-285750">
+                    <a:buFont typeface="Arial" panose="020B0604020202020204" pitchFamily="34" charset="0"/>
+                    <a:buChar char="•"/>
+                  </a:pPr>
+                  <a:r>
+                    <a:rPr lang="zh-CN" altLang="en-US" dirty="0"/>
+                    <a:t>显然，一个节点对于其他节点的影响力与上述变量均为</a:t>
+                  </a:r>
+                  <a:r>
+                    <a:rPr lang="zh-CN" altLang="en-US" b="1" dirty="0"/>
+                    <a:t>正相关</a:t>
+                  </a:r>
+                  <a:r>
+                    <a:rPr lang="zh-CN" altLang="en-US" dirty="0"/>
+                    <a:t>。即</a:t>
+                  </a:r>
+                  <a:endParaRPr lang="en-US" altLang="zh-CN" dirty="0"/>
+                </a:p>
+                <a:p>
+                  <a:pPr marL="285750" indent="-285750">
+                    <a:buFont typeface="Arial" panose="020B0604020202020204" pitchFamily="34" charset="0"/>
+                    <a:buChar char="•"/>
+                  </a:pPr>
+                  <a:endParaRPr lang="en-US" altLang="zh-CN" dirty="0"/>
+                </a:p>
+                <a:p>
+                  <a:pPr marL="285750" indent="-285750">
+                    <a:buFont typeface="Arial" panose="020B0604020202020204" pitchFamily="34" charset="0"/>
+                    <a:buChar char="•"/>
+                  </a:pPr>
+                  <a:endParaRPr lang="en-US" altLang="zh-CN" dirty="0"/>
+                </a:p>
+                <a:p>
+                  <a:pPr marL="285750" indent="-285750">
+                    <a:buFont typeface="Arial" panose="020B0604020202020204" pitchFamily="34" charset="0"/>
+                    <a:buChar char="•"/>
+                  </a:pPr>
+                  <a:endParaRPr lang="en-US" altLang="zh-CN" dirty="0"/>
+                </a:p>
+                <a:p>
+                  <a:pPr marL="285750" indent="-285750">
+                    <a:buFont typeface="Arial" panose="020B0604020202020204" pitchFamily="34" charset="0"/>
+                    <a:buChar char="•"/>
+                  </a:pPr>
+                  <a:endParaRPr lang="en-US" altLang="zh-CN" dirty="0"/>
+                </a:p>
+                <a:p>
+                  <a:pPr marL="285750" indent="-285750">
+                    <a:buFont typeface="Arial" panose="020B0604020202020204" pitchFamily="34" charset="0"/>
+                    <a:buChar char="•"/>
+                  </a:pPr>
+                  <a:r>
+                    <a:rPr lang="zh-CN" altLang="en-US" dirty="0"/>
+                    <a:t>我们的目的是筛选出影响力</a:t>
+                  </a:r>
+                  <a:r>
+                    <a:rPr lang="zh-CN" altLang="en-US" b="1" dirty="0"/>
+                    <a:t>相对</a:t>
+                  </a:r>
+                  <a:r>
+                    <a:rPr lang="zh-CN" altLang="en-US" dirty="0"/>
+                    <a:t>较大的节点，而不是绝对较大的节点。因此我们不关心 </a:t>
+                  </a:r>
+                  <a14:m>
+                    <m:oMath xmlns:m="http://schemas.openxmlformats.org/officeDocument/2006/math">
+                      <m:sSub>
+                        <m:sSubPr>
+                          <m:ctrlPr>
+                            <a:rPr lang="en-US" altLang="zh-CN" b="0" i="1" smtClean="0">
+                              <a:latin typeface="Cambria Math" panose="02040503050406030204" pitchFamily="18" charset="0"/>
+                            </a:rPr>
+                          </m:ctrlPr>
+                        </m:sSubPr>
+                        <m:e>
+                          <m:r>
+                            <a:rPr lang="en-US" altLang="zh-CN" b="0" i="1" smtClean="0">
+                              <a:latin typeface="Cambria Math" panose="02040503050406030204" pitchFamily="18" charset="0"/>
+                            </a:rPr>
+                            <m:t>𝐹</m:t>
+                          </m:r>
+                        </m:e>
+                        <m:sub>
+                          <m:r>
+                            <a:rPr lang="en-US" altLang="zh-CN" b="0" i="1" smtClean="0">
+                              <a:latin typeface="Cambria Math" panose="02040503050406030204" pitchFamily="18" charset="0"/>
+                            </a:rPr>
+                            <m:t>𝑖</m:t>
+                          </m:r>
+                          <m:r>
+                            <a:rPr lang="en-US" altLang="zh-CN" b="0" i="1" smtClean="0">
+                              <a:latin typeface="Cambria Math" panose="02040503050406030204" pitchFamily="18" charset="0"/>
+                            </a:rPr>
+                            <m:t>,</m:t>
+                          </m:r>
+                          <m:r>
+                            <a:rPr lang="en-US" altLang="zh-CN" b="0" i="1" smtClean="0">
+                              <a:latin typeface="Cambria Math" panose="02040503050406030204" pitchFamily="18" charset="0"/>
+                            </a:rPr>
+                            <m:t>𝑗</m:t>
+                          </m:r>
+                        </m:sub>
+                      </m:sSub>
+                    </m:oMath>
+                  </a14:m>
+                  <a:r>
+                    <a:rPr lang="zh-CN" altLang="en-US" dirty="0"/>
+                    <a:t>具体的函数值，而只关心其</a:t>
+                  </a:r>
+                  <a:r>
+                    <a:rPr lang="zh-CN" altLang="en-US" b="1" dirty="0"/>
+                    <a:t>相对大小</a:t>
+                  </a:r>
+                  <a:r>
+                    <a:rPr lang="zh-CN" altLang="en-US" dirty="0"/>
+                    <a:t>。从而，我们仅需要设计出一个</a:t>
+                  </a:r>
+                  <a:r>
+                    <a:rPr lang="zh-CN" altLang="en-US" b="1" dirty="0"/>
+                    <a:t>正相关的函数</a:t>
+                  </a:r>
+                  <a:r>
+                    <a:rPr lang="zh-CN" altLang="en-US" dirty="0"/>
+                    <a:t>就可以正确筛选出所需的数据。</a:t>
+                  </a:r>
+                  <a:endParaRPr lang="en-US" altLang="zh-CN" dirty="0"/>
+                </a:p>
+              </p:txBody>
+            </p:sp>
+          </mc:Choice>
+          <mc:Fallback>
+            <p:sp>
+              <p:nvSpPr>
+                <p:cNvPr id="6" name="文本框 5">
+                  <a:extLst>
+                    <a:ext uri="{FF2B5EF4-FFF2-40B4-BE49-F238E27FC236}">
+                      <a16:creationId xmlns:a16="http://schemas.microsoft.com/office/drawing/2014/main" id="{2B795E92-C82B-46B1-97E7-01980E96AE9E}"/>
+                    </a:ext>
+                  </a:extLst>
+                </p:cNvPr>
+                <p:cNvSpPr txBox="1">
+                  <a:spLocks noRot="1" noChangeAspect="1" noMove="1" noResize="1" noEditPoints="1" noAdjustHandles="1" noChangeArrowheads="1" noChangeShapeType="1" noTextEdit="1"/>
+                </p:cNvSpPr>
+                <p:nvPr/>
+              </p:nvSpPr>
+              <p:spPr>
+                <a:xfrm>
+                  <a:off x="342898" y="1393111"/>
+                  <a:ext cx="8465560" cy="2330638"/>
+                </a:xfrm>
+                <a:prstGeom prst="rect">
+                  <a:avLst/>
+                </a:prstGeom>
+                <a:blipFill>
+                  <a:blip r:embed="rId2"/>
+                  <a:stretch>
+                    <a:fillRect l="-432" t="-1571" b="-3403"/>
+                  </a:stretch>
+                </a:blipFill>
+              </p:spPr>
+              <p:txBody>
+                <a:bodyPr/>
+                <a:lstStyle/>
+                <a:p>
+                  <a:r>
+                    <a:rPr lang="zh-CN" altLang="en-US">
+                      <a:noFill/>
+                    </a:rPr>
+                    <a:t> </a:t>
+                  </a:r>
+                </a:p>
+              </p:txBody>
+            </p:sp>
+          </mc:Fallback>
+        </mc:AlternateContent>
+        <p:pic>
+          <p:nvPicPr>
+            <p:cNvPr id="13" name="图片 12">
+              <a:extLst>
+                <a:ext uri="{FF2B5EF4-FFF2-40B4-BE49-F238E27FC236}">
+                  <a16:creationId xmlns:a16="http://schemas.microsoft.com/office/drawing/2014/main" id="{6B0340C4-1894-4CAF-BC35-440DEDA47C95}"/>
+                </a:ext>
+              </a:extLst>
+            </p:cNvPr>
+            <p:cNvPicPr>
+              <a:picLocks noChangeAspect="1"/>
+            </p:cNvPicPr>
+            <p:nvPr/>
+          </p:nvPicPr>
+          <p:blipFill>
+            <a:blip r:embed="rId3"/>
+            <a:stretch>
+              <a:fillRect/>
+            </a:stretch>
+          </p:blipFill>
+          <p:spPr>
+            <a:xfrm>
+              <a:off x="2947336" y="1865450"/>
+              <a:ext cx="3019425" cy="285750"/>
+            </a:xfrm>
+            <a:prstGeom prst="rect">
+              <a:avLst/>
+            </a:prstGeom>
+          </p:spPr>
+        </p:pic>
+      </p:grpSp>
+    </p:spTree>
+    <p:extLst>
+      <p:ext uri="{BB962C8B-B14F-4D97-AF65-F5344CB8AC3E}">
+        <p14:creationId xmlns:p14="http://schemas.microsoft.com/office/powerpoint/2010/main" val="77664030"/>
+      </p:ext>
+    </p:extLst>
+  </p:cSld>
+  <p:clrMapOvr>
+    <a:masterClrMapping/>
+  </p:clrMapOvr>
+  <mc:AlternateContent xmlns:mc="http://schemas.openxmlformats.org/markup-compatibility/2006">
+    <mc:Choice xmlns:p14="http://schemas.microsoft.com/office/powerpoint/2010/main" Requires="p14">
+      <p:transition p14:dur="0"/>
+    </mc:Choice>
+    <mc:Fallback>
+      <p:transition/>
+    </mc:Fallback>
+  </mc:AlternateContent>
+</p:sld>
+</file>
+
+<file path=ppt/slides/slide11.xml><?xml version="1.0" encoding="utf-8"?>
+<p:sld xmlns:a="http://schemas.openxmlformats.org/drawingml/2006/main" xmlns:r="http://schemas.openxmlformats.org/officeDocument/2006/relationships" xmlns:p="http://schemas.openxmlformats.org/presentationml/2006/main">
+  <p:cSld>
+    <p:spTree>
+      <p:nvGrpSpPr>
+        <p:cNvPr id="1" name=""/>
+        <p:cNvGrpSpPr/>
+        <p:nvPr/>
+      </p:nvGrpSpPr>
+      <p:grpSpPr>
+        <a:xfrm>
+          <a:off x="0" y="0"/>
+          <a:ext cx="0" cy="0"/>
+          <a:chOff x="0" y="0"/>
+          <a:chExt cx="0" cy="0"/>
+        </a:xfrm>
+      </p:grpSpPr>
+      <p:sp>
+        <p:nvSpPr>
+          <p:cNvPr id="4" name="文本框 3">
+            <a:extLst>
+              <a:ext uri="{FF2B5EF4-FFF2-40B4-BE49-F238E27FC236}">
+                <a16:creationId xmlns:a16="http://schemas.microsoft.com/office/drawing/2014/main" id="{209567F4-9B5C-49B6-93DE-AFA16503E766}"/>
+              </a:ext>
+            </a:extLst>
+          </p:cNvPr>
+          <p:cNvSpPr txBox="1"/>
+          <p:nvPr/>
+        </p:nvSpPr>
+        <p:spPr>
+          <a:xfrm>
+            <a:off x="342898" y="330200"/>
+            <a:ext cx="7245349" cy="461665"/>
+          </a:xfrm>
+          <a:prstGeom prst="rect">
+            <a:avLst/>
+          </a:prstGeom>
+          <a:noFill/>
+        </p:spPr>
+        <p:txBody>
+          <a:bodyPr wrap="square" rtlCol="0">
+            <a:spAutoFit/>
+          </a:bodyPr>
+          <a:lstStyle/>
+          <a:p>
+            <a:r>
+              <a:rPr lang="en-US" altLang="zh-CN" sz="2400" dirty="0"/>
+              <a:t>|&gt; </a:t>
+            </a:r>
+            <a:r>
+              <a:rPr lang="zh-CN" altLang="en-US" sz="2400" dirty="0"/>
+              <a:t>模型建立</a:t>
+            </a:r>
+            <a:r>
+              <a:rPr lang="en-US" altLang="zh-CN" sz="2400" dirty="0"/>
+              <a:t> </a:t>
+            </a:r>
+            <a:r>
+              <a:rPr lang="zh-CN" altLang="en-US" sz="2400" dirty="0"/>
+              <a:t>（</a:t>
+            </a:r>
+            <a:r>
+              <a:rPr lang="en-US" altLang="zh-CN" sz="2400" dirty="0">
+                <a:latin typeface="+mn-ea"/>
+              </a:rPr>
+              <a:t> SNA</a:t>
+            </a:r>
+            <a:r>
+              <a:rPr lang="zh-CN" altLang="en-US" sz="2400" dirty="0"/>
+              <a:t>算法的理论实现）</a:t>
+            </a:r>
+          </a:p>
+        </p:txBody>
+      </p:sp>
+      <mc:AlternateContent xmlns:mc="http://schemas.openxmlformats.org/markup-compatibility/2006">
+        <mc:Choice xmlns:a14="http://schemas.microsoft.com/office/drawing/2010/main" Requires="a14">
+          <p:sp>
+            <p:nvSpPr>
+              <p:cNvPr id="7" name="文本框 6">
+                <a:extLst>
+                  <a:ext uri="{FF2B5EF4-FFF2-40B4-BE49-F238E27FC236}">
+                    <a16:creationId xmlns:a16="http://schemas.microsoft.com/office/drawing/2014/main" id="{0096703A-6354-4372-B728-9007F32966A4}"/>
+                  </a:ext>
+                </a:extLst>
+              </p:cNvPr>
+              <p:cNvSpPr txBox="1"/>
+              <p:nvPr/>
+            </p:nvSpPr>
+            <p:spPr>
+              <a:xfrm>
+                <a:off x="450353" y="1218018"/>
+                <a:ext cx="8465560" cy="391646"/>
+              </a:xfrm>
+              <a:prstGeom prst="rect">
+                <a:avLst/>
+              </a:prstGeom>
+              <a:noFill/>
+            </p:spPr>
+            <p:txBody>
+              <a:bodyPr wrap="square" rtlCol="0">
+                <a:spAutoFit/>
+              </a:bodyPr>
+              <a:lstStyle/>
+              <a:p>
+                <a:r>
+                  <a:rPr lang="zh-CN" altLang="en-US" dirty="0"/>
+                  <a:t>我们不妨假设函数</a:t>
+                </a:r>
+                <a14:m>
+                  <m:oMath xmlns:m="http://schemas.openxmlformats.org/officeDocument/2006/math">
+                    <m:sSub>
+                      <m:sSubPr>
+                        <m:ctrlPr>
+                          <a:rPr lang="en-US" altLang="zh-CN" i="1">
+                            <a:latin typeface="Cambria Math" panose="02040503050406030204" pitchFamily="18" charset="0"/>
+                          </a:rPr>
+                        </m:ctrlPr>
+                      </m:sSubPr>
+                      <m:e>
+                        <m:r>
+                          <a:rPr lang="en-US" altLang="zh-CN" i="1">
+                            <a:latin typeface="Cambria Math" panose="02040503050406030204" pitchFamily="18" charset="0"/>
+                          </a:rPr>
+                          <m:t>𝐹</m:t>
+                        </m:r>
+                      </m:e>
+                      <m:sub>
+                        <m:r>
+                          <a:rPr lang="en-US" altLang="zh-CN" i="1">
+                            <a:latin typeface="Cambria Math" panose="02040503050406030204" pitchFamily="18" charset="0"/>
+                          </a:rPr>
+                          <m:t>𝑖</m:t>
+                        </m:r>
+                        <m:r>
+                          <a:rPr lang="en-US" altLang="zh-CN" i="1">
+                            <a:latin typeface="Cambria Math" panose="02040503050406030204" pitchFamily="18" charset="0"/>
+                          </a:rPr>
+                          <m:t>,</m:t>
+                        </m:r>
+                        <m:r>
+                          <a:rPr lang="en-US" altLang="zh-CN" i="1">
+                            <a:latin typeface="Cambria Math" panose="02040503050406030204" pitchFamily="18" charset="0"/>
+                          </a:rPr>
+                          <m:t>𝑗</m:t>
+                        </m:r>
+                      </m:sub>
+                    </m:sSub>
+                  </m:oMath>
+                </a14:m>
+                <a:r>
+                  <a:rPr lang="zh-CN" altLang="en-US" dirty="0"/>
+                  <a:t>具有万有引力定律的形式，即</a:t>
+                </a:r>
+              </a:p>
+            </p:txBody>
+          </p:sp>
+        </mc:Choice>
+        <mc:Fallback>
+          <p:sp>
+            <p:nvSpPr>
+              <p:cNvPr id="7" name="文本框 6">
+                <a:extLst>
+                  <a:ext uri="{FF2B5EF4-FFF2-40B4-BE49-F238E27FC236}">
+                    <a16:creationId xmlns:a16="http://schemas.microsoft.com/office/drawing/2014/main" id="{0096703A-6354-4372-B728-9007F32966A4}"/>
+                  </a:ext>
+                </a:extLst>
+              </p:cNvPr>
+              <p:cNvSpPr txBox="1">
+                <a:spLocks noRot="1" noChangeAspect="1" noMove="1" noResize="1" noEditPoints="1" noAdjustHandles="1" noChangeArrowheads="1" noChangeShapeType="1" noTextEdit="1"/>
+              </p:cNvSpPr>
+              <p:nvPr/>
+            </p:nvSpPr>
+            <p:spPr>
+              <a:xfrm>
+                <a:off x="450353" y="1218018"/>
+                <a:ext cx="8465560" cy="391646"/>
+              </a:xfrm>
+              <a:prstGeom prst="rect">
+                <a:avLst/>
+              </a:prstGeom>
+              <a:blipFill>
+                <a:blip r:embed="rId2"/>
+                <a:stretch>
+                  <a:fillRect l="-648" t="-9375" b="-18750"/>
+                </a:stretch>
+              </a:blipFill>
+            </p:spPr>
+            <p:txBody>
+              <a:bodyPr/>
+              <a:lstStyle/>
+              <a:p>
+                <a:r>
+                  <a:rPr lang="zh-CN" altLang="en-US">
+                    <a:noFill/>
+                  </a:rPr>
+                  <a:t> </a:t>
+                </a:r>
+              </a:p>
+            </p:txBody>
+          </p:sp>
+        </mc:Fallback>
+      </mc:AlternateContent>
+      <p:pic>
+        <p:nvPicPr>
+          <p:cNvPr id="2" name="图片 1">
+            <a:extLst>
+              <a:ext uri="{FF2B5EF4-FFF2-40B4-BE49-F238E27FC236}">
+                <a16:creationId xmlns:a16="http://schemas.microsoft.com/office/drawing/2014/main" id="{71FAF345-8BD5-4583-B5C0-2084CDE31067}"/>
+              </a:ext>
+            </a:extLst>
+          </p:cNvPr>
+          <p:cNvPicPr>
+            <a:picLocks noChangeAspect="1"/>
+          </p:cNvPicPr>
+          <p:nvPr/>
+        </p:nvPicPr>
+        <p:blipFill>
+          <a:blip r:embed="rId3"/>
+          <a:stretch>
+            <a:fillRect/>
+          </a:stretch>
+        </p:blipFill>
+        <p:spPr>
+          <a:xfrm>
+            <a:off x="2835391" y="1575991"/>
+            <a:ext cx="2558629" cy="574882"/>
+          </a:xfrm>
+          <a:prstGeom prst="rect">
+            <a:avLst/>
+          </a:prstGeom>
+        </p:spPr>
+      </p:pic>
+      <p:sp>
+        <p:nvSpPr>
+          <p:cNvPr id="8" name="文本框 7">
+            <a:extLst>
+              <a:ext uri="{FF2B5EF4-FFF2-40B4-BE49-F238E27FC236}">
+                <a16:creationId xmlns:a16="http://schemas.microsoft.com/office/drawing/2014/main" id="{F8C2C294-1436-42EB-8CE9-A3A9F5F9352A}"/>
+              </a:ext>
+            </a:extLst>
+          </p:cNvPr>
+          <p:cNvSpPr txBox="1"/>
+          <p:nvPr/>
+        </p:nvSpPr>
+        <p:spPr>
+          <a:xfrm>
+            <a:off x="513287" y="2084752"/>
+            <a:ext cx="8465560" cy="369332"/>
+          </a:xfrm>
+          <a:prstGeom prst="rect">
+            <a:avLst/>
+          </a:prstGeom>
+          <a:noFill/>
+        </p:spPr>
+        <p:txBody>
+          <a:bodyPr wrap="square" rtlCol="0">
+            <a:spAutoFit/>
+          </a:bodyPr>
+          <a:lstStyle/>
+          <a:p>
+            <a:r>
+              <a:rPr lang="zh-CN" altLang="en-US" dirty="0"/>
+              <a:t>不妨取 </a:t>
+            </a:r>
+            <a:r>
+              <a:rPr lang="en-US" altLang="zh-CN" dirty="0"/>
+              <a:t>G=1</a:t>
+            </a:r>
+            <a:r>
+              <a:rPr lang="zh-CN" altLang="en-US" dirty="0"/>
+              <a:t>，则</a:t>
+            </a:r>
+          </a:p>
+        </p:txBody>
+      </p:sp>
+      <p:pic>
+        <p:nvPicPr>
+          <p:cNvPr id="5" name="图片 4">
+            <a:extLst>
+              <a:ext uri="{FF2B5EF4-FFF2-40B4-BE49-F238E27FC236}">
+                <a16:creationId xmlns:a16="http://schemas.microsoft.com/office/drawing/2014/main" id="{89760BF4-10FE-4F15-B9CF-789F5ED11AB7}"/>
+              </a:ext>
+            </a:extLst>
+          </p:cNvPr>
+          <p:cNvPicPr>
+            <a:picLocks noChangeAspect="1"/>
+          </p:cNvPicPr>
+          <p:nvPr/>
+        </p:nvPicPr>
+        <p:blipFill>
+          <a:blip r:embed="rId4"/>
+          <a:stretch>
+            <a:fillRect/>
+          </a:stretch>
+        </p:blipFill>
+        <p:spPr>
+          <a:xfrm>
+            <a:off x="2712954" y="2481445"/>
+            <a:ext cx="1778778" cy="519466"/>
+          </a:xfrm>
+          <a:prstGeom prst="rect">
+            <a:avLst/>
+          </a:prstGeom>
+        </p:spPr>
+      </p:pic>
+      <p:sp>
+        <p:nvSpPr>
+          <p:cNvPr id="11" name="文本框 10">
+            <a:extLst>
+              <a:ext uri="{FF2B5EF4-FFF2-40B4-BE49-F238E27FC236}">
+                <a16:creationId xmlns:a16="http://schemas.microsoft.com/office/drawing/2014/main" id="{403A2E78-BFE9-4EB4-90FD-4107F3008945}"/>
+              </a:ext>
+            </a:extLst>
+          </p:cNvPr>
+          <p:cNvSpPr txBox="1"/>
+          <p:nvPr/>
+        </p:nvSpPr>
+        <p:spPr>
+          <a:xfrm>
+            <a:off x="513287" y="2938990"/>
+            <a:ext cx="8465560" cy="369332"/>
+          </a:xfrm>
+          <a:prstGeom prst="rect">
+            <a:avLst/>
+          </a:prstGeom>
+          <a:noFill/>
+        </p:spPr>
+        <p:txBody>
+          <a:bodyPr wrap="square" rtlCol="0">
+            <a:spAutoFit/>
+          </a:bodyPr>
+          <a:lstStyle/>
+          <a:p>
+            <a:r>
+              <a:rPr lang="zh-CN" altLang="en-US" dirty="0"/>
+              <a:t>其中</a:t>
+            </a:r>
+          </a:p>
+        </p:txBody>
+      </p:sp>
+      <p:pic>
+        <p:nvPicPr>
+          <p:cNvPr id="10" name="图片 9">
+            <a:extLst>
+              <a:ext uri="{FF2B5EF4-FFF2-40B4-BE49-F238E27FC236}">
+                <a16:creationId xmlns:a16="http://schemas.microsoft.com/office/drawing/2014/main" id="{3495D592-B256-4385-AB7D-C6A1A76EDC28}"/>
+              </a:ext>
+            </a:extLst>
+          </p:cNvPr>
+          <p:cNvPicPr>
+            <a:picLocks noChangeAspect="1"/>
+          </p:cNvPicPr>
+          <p:nvPr/>
+        </p:nvPicPr>
+        <p:blipFill>
+          <a:blip r:embed="rId5"/>
+          <a:stretch>
+            <a:fillRect/>
+          </a:stretch>
+        </p:blipFill>
+        <p:spPr>
+          <a:xfrm>
+            <a:off x="2838293" y="3302902"/>
+            <a:ext cx="1376425" cy="374734"/>
+          </a:xfrm>
+          <a:prstGeom prst="rect">
+            <a:avLst/>
+          </a:prstGeom>
+        </p:spPr>
+      </p:pic>
+      <p:pic>
+        <p:nvPicPr>
+          <p:cNvPr id="12" name="图片 11">
+            <a:extLst>
+              <a:ext uri="{FF2B5EF4-FFF2-40B4-BE49-F238E27FC236}">
+                <a16:creationId xmlns:a16="http://schemas.microsoft.com/office/drawing/2014/main" id="{714CC55C-F7AB-4ECB-A537-A5674D045E26}"/>
+              </a:ext>
+            </a:extLst>
+          </p:cNvPr>
+          <p:cNvPicPr>
+            <a:picLocks noChangeAspect="1"/>
+          </p:cNvPicPr>
+          <p:nvPr/>
+        </p:nvPicPr>
+        <p:blipFill>
+          <a:blip r:embed="rId6"/>
+          <a:stretch>
+            <a:fillRect/>
+          </a:stretch>
+        </p:blipFill>
+        <p:spPr>
+          <a:xfrm>
+            <a:off x="4214718" y="3308322"/>
+            <a:ext cx="1376425" cy="386710"/>
+          </a:xfrm>
+          <a:prstGeom prst="rect">
+            <a:avLst/>
+          </a:prstGeom>
+        </p:spPr>
+      </p:pic>
+      <p:pic>
+        <p:nvPicPr>
+          <p:cNvPr id="15" name="图片 14">
+            <a:extLst>
+              <a:ext uri="{FF2B5EF4-FFF2-40B4-BE49-F238E27FC236}">
+                <a16:creationId xmlns:a16="http://schemas.microsoft.com/office/drawing/2014/main" id="{C690B49D-FD75-4A09-A5BC-F02CFD24F69B}"/>
+              </a:ext>
+            </a:extLst>
+          </p:cNvPr>
+          <p:cNvPicPr>
+            <a:picLocks noChangeAspect="1"/>
+          </p:cNvPicPr>
+          <p:nvPr/>
+        </p:nvPicPr>
+        <p:blipFill>
+          <a:blip r:embed="rId7"/>
+          <a:stretch>
+            <a:fillRect/>
+          </a:stretch>
+        </p:blipFill>
+        <p:spPr>
+          <a:xfrm>
+            <a:off x="2892306" y="4024880"/>
+            <a:ext cx="1322412" cy="532190"/>
+          </a:xfrm>
+          <a:prstGeom prst="rect">
+            <a:avLst/>
+          </a:prstGeom>
+        </p:spPr>
+      </p:pic>
+      <p:sp>
+        <p:nvSpPr>
+          <p:cNvPr id="17" name="文本框 16">
+            <a:extLst>
+              <a:ext uri="{FF2B5EF4-FFF2-40B4-BE49-F238E27FC236}">
+                <a16:creationId xmlns:a16="http://schemas.microsoft.com/office/drawing/2014/main" id="{C26DD063-3CD4-4FE1-AE86-8EFDC5E82414}"/>
+              </a:ext>
+            </a:extLst>
+          </p:cNvPr>
+          <p:cNvSpPr txBox="1"/>
+          <p:nvPr/>
+        </p:nvSpPr>
+        <p:spPr>
+          <a:xfrm>
+            <a:off x="513287" y="3655870"/>
+            <a:ext cx="8465560" cy="369332"/>
+          </a:xfrm>
+          <a:prstGeom prst="rect">
+            <a:avLst/>
+          </a:prstGeom>
+          <a:noFill/>
+        </p:spPr>
+        <p:txBody>
+          <a:bodyPr wrap="square" rtlCol="0">
+            <a:spAutoFit/>
+          </a:bodyPr>
+          <a:lstStyle/>
+          <a:p>
+            <a:r>
+              <a:rPr lang="en-US" altLang="zh-CN" dirty="0"/>
+              <a:t>r </a:t>
+            </a:r>
+            <a:r>
+              <a:rPr lang="zh-CN" altLang="en-US" dirty="0"/>
+              <a:t>的方向满足</a:t>
+            </a:r>
+          </a:p>
+        </p:txBody>
+      </p:sp>
+    </p:spTree>
+    <p:extLst>
+      <p:ext uri="{BB962C8B-B14F-4D97-AF65-F5344CB8AC3E}">
+        <p14:creationId xmlns:p14="http://schemas.microsoft.com/office/powerpoint/2010/main" val="3007965039"/>
+      </p:ext>
+    </p:extLst>
+  </p:cSld>
+  <p:clrMapOvr>
+    <a:masterClrMapping/>
+  </p:clrMapOvr>
+  <mc:AlternateContent xmlns:mc="http://schemas.openxmlformats.org/markup-compatibility/2006">
+    <mc:Choice xmlns:p14="http://schemas.microsoft.com/office/powerpoint/2010/main" Requires="p14">
+      <p:transition p14:dur="0"/>
+    </mc:Choice>
+    <mc:Fallback>
+      <p:transition/>
+    </mc:Fallback>
+  </mc:AlternateContent>
+</p:sld>
+</file>
+
+<file path=ppt/slides/slide12.xml><?xml version="1.0" encoding="utf-8"?>
+<p:sld xmlns:a="http://schemas.openxmlformats.org/drawingml/2006/main" xmlns:r="http://schemas.openxmlformats.org/officeDocument/2006/relationships" xmlns:p="http://schemas.openxmlformats.org/presentationml/2006/main">
+  <p:cSld>
+    <p:spTree>
+      <p:nvGrpSpPr>
+        <p:cNvPr id="1" name=""/>
+        <p:cNvGrpSpPr/>
+        <p:nvPr/>
+      </p:nvGrpSpPr>
+      <p:grpSpPr>
+        <a:xfrm>
+          <a:off x="0" y="0"/>
+          <a:ext cx="0" cy="0"/>
+          <a:chOff x="0" y="0"/>
+          <a:chExt cx="0" cy="0"/>
+        </a:xfrm>
+      </p:grpSpPr>
+      <p:sp>
+        <p:nvSpPr>
+          <p:cNvPr id="4" name="文本框 3">
+            <a:extLst>
+              <a:ext uri="{FF2B5EF4-FFF2-40B4-BE49-F238E27FC236}">
+                <a16:creationId xmlns:a16="http://schemas.microsoft.com/office/drawing/2014/main" id="{209567F4-9B5C-49B6-93DE-AFA16503E766}"/>
+              </a:ext>
+            </a:extLst>
+          </p:cNvPr>
+          <p:cNvSpPr txBox="1"/>
+          <p:nvPr/>
+        </p:nvSpPr>
+        <p:spPr>
+          <a:xfrm>
+            <a:off x="342898" y="330200"/>
+            <a:ext cx="7245349" cy="461665"/>
+          </a:xfrm>
+          <a:prstGeom prst="rect">
+            <a:avLst/>
+          </a:prstGeom>
+          <a:noFill/>
+        </p:spPr>
+        <p:txBody>
+          <a:bodyPr wrap="square" rtlCol="0">
+            <a:spAutoFit/>
+          </a:bodyPr>
+          <a:lstStyle/>
+          <a:p>
+            <a:r>
+              <a:rPr lang="en-US" altLang="zh-CN" sz="2400" dirty="0"/>
+              <a:t>|&gt; </a:t>
+            </a:r>
+            <a:r>
+              <a:rPr lang="zh-CN" altLang="en-US" sz="2400" dirty="0"/>
+              <a:t>模型建立</a:t>
+            </a:r>
+            <a:r>
+              <a:rPr lang="en-US" altLang="zh-CN" sz="2400" dirty="0"/>
+              <a:t> </a:t>
+            </a:r>
+            <a:r>
+              <a:rPr lang="zh-CN" altLang="en-US" sz="2400" dirty="0"/>
+              <a:t>（</a:t>
+            </a:r>
+            <a:r>
+              <a:rPr lang="en-US" altLang="zh-CN" sz="2400" dirty="0">
+                <a:latin typeface="+mn-ea"/>
+              </a:rPr>
+              <a:t> SNA</a:t>
+            </a:r>
+            <a:r>
+              <a:rPr lang="zh-CN" altLang="en-US" sz="2400" dirty="0"/>
+              <a:t>算法的理论实现）</a:t>
+            </a:r>
+          </a:p>
+        </p:txBody>
+      </p:sp>
+      <p:sp>
+        <p:nvSpPr>
+          <p:cNvPr id="7" name="文本框 6">
+            <a:extLst>
+              <a:ext uri="{FF2B5EF4-FFF2-40B4-BE49-F238E27FC236}">
+                <a16:creationId xmlns:a16="http://schemas.microsoft.com/office/drawing/2014/main" id="{0096703A-6354-4372-B728-9007F32966A4}"/>
+              </a:ext>
+            </a:extLst>
+          </p:cNvPr>
+          <p:cNvSpPr txBox="1"/>
+          <p:nvPr/>
+        </p:nvSpPr>
+        <p:spPr>
+          <a:xfrm>
+            <a:off x="427676" y="1148922"/>
+            <a:ext cx="8465560" cy="3416320"/>
+          </a:xfrm>
+          <a:prstGeom prst="rect">
+            <a:avLst/>
+          </a:prstGeom>
+          <a:noFill/>
+        </p:spPr>
+        <p:txBody>
+          <a:bodyPr wrap="square" rtlCol="0">
+            <a:spAutoFit/>
+          </a:bodyPr>
+          <a:lstStyle/>
+          <a:p>
+            <a:r>
+              <a:rPr lang="zh-CN" altLang="en-US" dirty="0"/>
+              <a:t>当满足以下任意一种情形，我们给节点 </a:t>
+            </a:r>
+            <a:r>
+              <a:rPr lang="en-US" altLang="zh-CN" dirty="0" err="1"/>
+              <a:t>i</a:t>
+            </a:r>
+            <a:r>
+              <a:rPr lang="en-US" altLang="zh-CN" dirty="0"/>
+              <a:t> </a:t>
+            </a:r>
+            <a:r>
+              <a:rPr lang="zh-CN" altLang="en-US" dirty="0"/>
+              <a:t>、</a:t>
+            </a:r>
+            <a:r>
+              <a:rPr lang="en-US" altLang="zh-CN" dirty="0"/>
+              <a:t>j </a:t>
+            </a:r>
+            <a:r>
+              <a:rPr lang="zh-CN" altLang="en-US" dirty="0"/>
+              <a:t>之间建立有向边：</a:t>
+            </a:r>
+            <a:endParaRPr lang="en-US" altLang="zh-CN" dirty="0"/>
+          </a:p>
+          <a:p>
+            <a:endParaRPr lang="zh-CN" altLang="en-US" dirty="0"/>
+          </a:p>
+          <a:p>
+            <a:r>
+              <a:rPr lang="zh-CN" altLang="en-US" b="1" dirty="0"/>
+              <a:t>情形一：</a:t>
+            </a:r>
+            <a:endParaRPr lang="en-US" altLang="zh-CN" b="1" dirty="0"/>
+          </a:p>
+          <a:p>
+            <a:endParaRPr lang="en-US" altLang="zh-CN" dirty="0"/>
+          </a:p>
+          <a:p>
+            <a:endParaRPr lang="en-US" altLang="zh-CN" dirty="0"/>
+          </a:p>
+          <a:p>
+            <a:endParaRPr lang="en-US" altLang="zh-CN" dirty="0"/>
+          </a:p>
+          <a:p>
+            <a:r>
+              <a:rPr lang="zh-CN" altLang="en-US" b="1" dirty="0"/>
+              <a:t>情形二：</a:t>
+            </a:r>
+            <a:endParaRPr lang="en-US" altLang="zh-CN" b="1" dirty="0"/>
+          </a:p>
+          <a:p>
+            <a:endParaRPr lang="zh-CN" altLang="en-US" b="1" dirty="0"/>
+          </a:p>
+          <a:p>
+            <a:endParaRPr lang="en-US" altLang="zh-CN" dirty="0"/>
+          </a:p>
+          <a:p>
+            <a:endParaRPr lang="en-US" altLang="zh-CN" dirty="0"/>
+          </a:p>
+          <a:p>
+            <a:r>
+              <a:rPr lang="zh-CN" altLang="en-US" dirty="0"/>
+              <a:t>上述操作完成后，我们便获得了</a:t>
+            </a:r>
+            <a:r>
+              <a:rPr lang="en-US" altLang="zh-CN" dirty="0"/>
+              <a:t>500</a:t>
+            </a:r>
+            <a:r>
+              <a:rPr lang="zh-CN" altLang="en-US" dirty="0"/>
+              <a:t>个点之间的</a:t>
+            </a:r>
+            <a:r>
+              <a:rPr lang="zh-CN" altLang="en-US" b="1" dirty="0"/>
+              <a:t>有向图</a:t>
+            </a:r>
+            <a:r>
+              <a:rPr lang="zh-CN" altLang="en-US" dirty="0"/>
+              <a:t>。在有向图的基础上进行</a:t>
+            </a:r>
+            <a:r>
+              <a:rPr lang="en-US" altLang="zh-CN" dirty="0"/>
+              <a:t>SNA</a:t>
+            </a:r>
+            <a:r>
+              <a:rPr lang="zh-CN" altLang="en-US" dirty="0"/>
+              <a:t>社会网络分析便可以得到我们所需要的中心人物、枢纽人物和边缘人物。</a:t>
+            </a:r>
+          </a:p>
+        </p:txBody>
+      </p:sp>
+      <p:pic>
+        <p:nvPicPr>
+          <p:cNvPr id="3" name="图片 2">
+            <a:extLst>
+              <a:ext uri="{FF2B5EF4-FFF2-40B4-BE49-F238E27FC236}">
+                <a16:creationId xmlns:a16="http://schemas.microsoft.com/office/drawing/2014/main" id="{D2FB5096-922A-48F5-9448-5DE89C223A8D}"/>
+              </a:ext>
+            </a:extLst>
+          </p:cNvPr>
+          <p:cNvPicPr>
+            <a:picLocks noChangeAspect="1"/>
+          </p:cNvPicPr>
+          <p:nvPr/>
+        </p:nvPicPr>
+        <p:blipFill>
+          <a:blip r:embed="rId2"/>
+          <a:stretch>
+            <a:fillRect/>
+          </a:stretch>
+        </p:blipFill>
+        <p:spPr>
+          <a:xfrm>
+            <a:off x="1387589" y="3175195"/>
+            <a:ext cx="6695025" cy="331014"/>
+          </a:xfrm>
+          <a:prstGeom prst="rect">
+            <a:avLst/>
+          </a:prstGeom>
+        </p:spPr>
+      </p:pic>
+      <p:pic>
+        <p:nvPicPr>
+          <p:cNvPr id="6" name="图片 5">
+            <a:extLst>
+              <a:ext uri="{FF2B5EF4-FFF2-40B4-BE49-F238E27FC236}">
+                <a16:creationId xmlns:a16="http://schemas.microsoft.com/office/drawing/2014/main" id="{7E49349D-5962-4E01-9420-65E3A1D87E0C}"/>
+              </a:ext>
+            </a:extLst>
+          </p:cNvPr>
+          <p:cNvPicPr>
+            <a:picLocks noChangeAspect="1"/>
+          </p:cNvPicPr>
+          <p:nvPr/>
+        </p:nvPicPr>
+        <p:blipFill>
+          <a:blip r:embed="rId3"/>
+          <a:stretch>
+            <a:fillRect/>
+          </a:stretch>
+        </p:blipFill>
+        <p:spPr>
+          <a:xfrm>
+            <a:off x="1387589" y="2215591"/>
+            <a:ext cx="3531162" cy="400441"/>
+          </a:xfrm>
+          <a:prstGeom prst="rect">
+            <a:avLst/>
+          </a:prstGeom>
+        </p:spPr>
+      </p:pic>
+    </p:spTree>
+    <p:extLst>
+      <p:ext uri="{BB962C8B-B14F-4D97-AF65-F5344CB8AC3E}">
+        <p14:creationId xmlns:p14="http://schemas.microsoft.com/office/powerpoint/2010/main" val="3476199682"/>
+      </p:ext>
+    </p:extLst>
+  </p:cSld>
+  <p:clrMapOvr>
+    <a:masterClrMapping/>
+  </p:clrMapOvr>
+  <mc:AlternateContent xmlns:mc="http://schemas.openxmlformats.org/markup-compatibility/2006">
+    <mc:Choice xmlns:p14="http://schemas.microsoft.com/office/powerpoint/2010/main" Requires="p14">
+      <p:transition p14:dur="0"/>
+    </mc:Choice>
+    <mc:Fallback>
+      <p:transition/>
+    </mc:Fallback>
+  </mc:AlternateContent>
+</p:sld>
+</file>
+
+<file path=ppt/slides/slide13.xml><?xml version="1.0" encoding="utf-8"?>
+<p:sld xmlns:a="http://schemas.openxmlformats.org/drawingml/2006/main" xmlns:r="http://schemas.openxmlformats.org/officeDocument/2006/relationships" xmlns:p="http://schemas.openxmlformats.org/presentationml/2006/main">
+  <p:cSld>
+    <p:spTree>
+      <p:nvGrpSpPr>
+        <p:cNvPr id="1" name=""/>
+        <p:cNvGrpSpPr/>
+        <p:nvPr/>
+      </p:nvGrpSpPr>
+      <p:grpSpPr>
+        <a:xfrm>
+          <a:off x="0" y="0"/>
+          <a:ext cx="0" cy="0"/>
+          <a:chOff x="0" y="0"/>
+          <a:chExt cx="0" cy="0"/>
+        </a:xfrm>
+      </p:grpSpPr>
+      <p:sp>
+        <p:nvSpPr>
+          <p:cNvPr id="4" name="文本框 3">
+            <a:extLst>
+              <a:ext uri="{FF2B5EF4-FFF2-40B4-BE49-F238E27FC236}">
+                <a16:creationId xmlns:a16="http://schemas.microsoft.com/office/drawing/2014/main" id="{209567F4-9B5C-49B6-93DE-AFA16503E766}"/>
+              </a:ext>
+            </a:extLst>
+          </p:cNvPr>
+          <p:cNvSpPr txBox="1"/>
+          <p:nvPr/>
+        </p:nvSpPr>
+        <p:spPr>
+          <a:xfrm>
+            <a:off x="342900" y="330200"/>
+            <a:ext cx="4295712" cy="461665"/>
+          </a:xfrm>
+          <a:prstGeom prst="rect">
+            <a:avLst/>
+          </a:prstGeom>
+          <a:noFill/>
+        </p:spPr>
+        <p:txBody>
+          <a:bodyPr wrap="square" rtlCol="0">
+            <a:spAutoFit/>
+          </a:bodyPr>
+          <a:lstStyle/>
+          <a:p>
+            <a:r>
+              <a:rPr lang="en-US" altLang="zh-CN" sz="2400" dirty="0"/>
+              <a:t>|&gt; </a:t>
+            </a:r>
+            <a:r>
+              <a:rPr lang="zh-CN" altLang="en-US" sz="2400" dirty="0"/>
+              <a:t>研究过程 （数据获取）</a:t>
+            </a:r>
+          </a:p>
+        </p:txBody>
+      </p:sp>
+      <p:pic>
+        <p:nvPicPr>
+          <p:cNvPr id="7" name="图片 6">
+            <a:extLst>
+              <a:ext uri="{FF2B5EF4-FFF2-40B4-BE49-F238E27FC236}">
+                <a16:creationId xmlns:a16="http://schemas.microsoft.com/office/drawing/2014/main" id="{AB1A6B78-1BD1-462B-89E6-07FD02142988}"/>
+              </a:ext>
+            </a:extLst>
+          </p:cNvPr>
+          <p:cNvPicPr>
+            <a:picLocks noChangeAspect="1"/>
+          </p:cNvPicPr>
+          <p:nvPr/>
+        </p:nvPicPr>
+        <p:blipFill>
+          <a:blip r:embed="rId2"/>
+          <a:stretch>
+            <a:fillRect/>
+          </a:stretch>
+        </p:blipFill>
+        <p:spPr>
+          <a:xfrm>
+            <a:off x="342900" y="2571750"/>
+            <a:ext cx="3896040" cy="2150756"/>
+          </a:xfrm>
+          <a:prstGeom prst="rect">
+            <a:avLst/>
+          </a:prstGeom>
+        </p:spPr>
+      </p:pic>
+      <p:pic>
+        <p:nvPicPr>
+          <p:cNvPr id="11" name="图片 10">
+            <a:extLst>
+              <a:ext uri="{FF2B5EF4-FFF2-40B4-BE49-F238E27FC236}">
+                <a16:creationId xmlns:a16="http://schemas.microsoft.com/office/drawing/2014/main" id="{CD6F6608-80FA-4AF3-80CA-F28FC7CAB3AC}"/>
+              </a:ext>
+            </a:extLst>
+          </p:cNvPr>
+          <p:cNvPicPr>
+            <a:picLocks noChangeAspect="1"/>
+          </p:cNvPicPr>
+          <p:nvPr/>
+        </p:nvPicPr>
+        <p:blipFill>
+          <a:blip r:embed="rId3"/>
+          <a:stretch>
+            <a:fillRect/>
+          </a:stretch>
+        </p:blipFill>
+        <p:spPr>
+          <a:xfrm>
+            <a:off x="4435763" y="2767440"/>
+            <a:ext cx="4262392" cy="2260431"/>
+          </a:xfrm>
+          <a:prstGeom prst="rect">
+            <a:avLst/>
+          </a:prstGeom>
+        </p:spPr>
+      </p:pic>
+      <p:pic>
+        <p:nvPicPr>
+          <p:cNvPr id="12" name="图片 11">
+            <a:extLst>
+              <a:ext uri="{FF2B5EF4-FFF2-40B4-BE49-F238E27FC236}">
+                <a16:creationId xmlns:a16="http://schemas.microsoft.com/office/drawing/2014/main" id="{C369064F-8131-4385-91CD-F28DDA28D2B3}"/>
+              </a:ext>
+            </a:extLst>
+          </p:cNvPr>
+          <p:cNvPicPr>
+            <a:picLocks noChangeAspect="1"/>
+          </p:cNvPicPr>
+          <p:nvPr/>
+        </p:nvPicPr>
+        <p:blipFill>
+          <a:blip r:embed="rId4"/>
+          <a:stretch>
+            <a:fillRect/>
+          </a:stretch>
+        </p:blipFill>
+        <p:spPr>
+          <a:xfrm>
+            <a:off x="2556015" y="791865"/>
+            <a:ext cx="3665618" cy="1975575"/>
+          </a:xfrm>
+          <a:prstGeom prst="rect">
+            <a:avLst/>
+          </a:prstGeom>
+        </p:spPr>
+      </p:pic>
+    </p:spTree>
+    <p:extLst>
+      <p:ext uri="{BB962C8B-B14F-4D97-AF65-F5344CB8AC3E}">
+        <p14:creationId xmlns:p14="http://schemas.microsoft.com/office/powerpoint/2010/main" val="503090541"/>
+      </p:ext>
+    </p:extLst>
+  </p:cSld>
+  <p:clrMapOvr>
+    <a:masterClrMapping/>
+  </p:clrMapOvr>
+  <mc:AlternateContent xmlns:mc="http://schemas.openxmlformats.org/markup-compatibility/2006">
+    <mc:Choice xmlns:p14="http://schemas.microsoft.com/office/powerpoint/2010/main" Requires="p14">
+      <p:transition p14:dur="0"/>
+    </mc:Choice>
+    <mc:Fallback>
+      <p:transition/>
+    </mc:Fallback>
+  </mc:AlternateContent>
+</p:sld>
+</file>
+
+<file path=ppt/slides/slide14.xml><?xml version="1.0" encoding="utf-8"?>
+<p:sld xmlns:a="http://schemas.openxmlformats.org/drawingml/2006/main" xmlns:r="http://schemas.openxmlformats.org/officeDocument/2006/relationships" xmlns:p="http://schemas.openxmlformats.org/presentationml/2006/main">
+  <p:cSld>
+    <p:spTree>
+      <p:nvGrpSpPr>
+        <p:cNvPr id="1" name=""/>
+        <p:cNvGrpSpPr/>
+        <p:nvPr/>
+      </p:nvGrpSpPr>
+      <p:grpSpPr>
+        <a:xfrm>
+          <a:off x="0" y="0"/>
+          <a:ext cx="0" cy="0"/>
+          <a:chOff x="0" y="0"/>
+          <a:chExt cx="0" cy="0"/>
+        </a:xfrm>
+      </p:grpSpPr>
+      <p:sp>
+        <p:nvSpPr>
+          <p:cNvPr id="4" name="文本框 3">
+            <a:extLst>
+              <a:ext uri="{FF2B5EF4-FFF2-40B4-BE49-F238E27FC236}">
+                <a16:creationId xmlns:a16="http://schemas.microsoft.com/office/drawing/2014/main" id="{209567F4-9B5C-49B6-93DE-AFA16503E766}"/>
+              </a:ext>
+            </a:extLst>
+          </p:cNvPr>
+          <p:cNvSpPr txBox="1"/>
+          <p:nvPr/>
+        </p:nvSpPr>
+        <p:spPr>
+          <a:xfrm>
+            <a:off x="342900" y="330200"/>
+            <a:ext cx="7518190" cy="461665"/>
+          </a:xfrm>
+          <a:prstGeom prst="rect">
+            <a:avLst/>
+          </a:prstGeom>
+          <a:noFill/>
+        </p:spPr>
+        <p:txBody>
+          <a:bodyPr wrap="square" rtlCol="0">
+            <a:spAutoFit/>
+          </a:bodyPr>
+          <a:lstStyle/>
+          <a:p>
+            <a:r>
+              <a:rPr lang="en-US" altLang="zh-CN" sz="2400" dirty="0"/>
+              <a:t>|&gt; </a:t>
+            </a:r>
+            <a:r>
+              <a:rPr lang="zh-CN" altLang="en-US" sz="2400" dirty="0"/>
+              <a:t>研究过程 （数据处理，构建有向图）</a:t>
+            </a:r>
+          </a:p>
+        </p:txBody>
+      </p:sp>
+      <p:pic>
+        <p:nvPicPr>
+          <p:cNvPr id="2" name="图片 1">
+            <a:extLst>
+              <a:ext uri="{FF2B5EF4-FFF2-40B4-BE49-F238E27FC236}">
+                <a16:creationId xmlns:a16="http://schemas.microsoft.com/office/drawing/2014/main" id="{4AB25EEA-23B9-4BF3-97B1-26E508F55BB5}"/>
+              </a:ext>
+            </a:extLst>
+          </p:cNvPr>
+          <p:cNvPicPr>
+            <a:picLocks noChangeAspect="1"/>
+          </p:cNvPicPr>
+          <p:nvPr/>
+        </p:nvPicPr>
+        <p:blipFill>
+          <a:blip r:embed="rId2"/>
+          <a:stretch>
+            <a:fillRect/>
+          </a:stretch>
+        </p:blipFill>
+        <p:spPr>
+          <a:xfrm>
+            <a:off x="650854" y="846031"/>
+            <a:ext cx="7518190" cy="4037234"/>
+          </a:xfrm>
+          <a:prstGeom prst="rect">
+            <a:avLst/>
+          </a:prstGeom>
+        </p:spPr>
+      </p:pic>
+    </p:spTree>
+    <p:extLst>
+      <p:ext uri="{BB962C8B-B14F-4D97-AF65-F5344CB8AC3E}">
+        <p14:creationId xmlns:p14="http://schemas.microsoft.com/office/powerpoint/2010/main" val="3147354403"/>
+      </p:ext>
+    </p:extLst>
+  </p:cSld>
+  <p:clrMapOvr>
+    <a:masterClrMapping/>
+  </p:clrMapOvr>
+  <mc:AlternateContent xmlns:mc="http://schemas.openxmlformats.org/markup-compatibility/2006">
+    <mc:Choice xmlns:p14="http://schemas.microsoft.com/office/powerpoint/2010/main" Requires="p14">
+      <p:transition p14:dur="0"/>
+    </mc:Choice>
+    <mc:Fallback>
+      <p:transition/>
+    </mc:Fallback>
+  </mc:AlternateContent>
+</p:sld>
+</file>
+
+<file path=ppt/slides/slide15.xml><?xml version="1.0" encoding="utf-8"?>
+<p:sld xmlns:a="http://schemas.openxmlformats.org/drawingml/2006/main" xmlns:r="http://schemas.openxmlformats.org/officeDocument/2006/relationships" xmlns:p="http://schemas.openxmlformats.org/presentationml/2006/main">
+  <p:cSld>
+    <p:spTree>
+      <p:nvGrpSpPr>
+        <p:cNvPr id="1" name=""/>
+        <p:cNvGrpSpPr/>
+        <p:nvPr/>
+      </p:nvGrpSpPr>
+      <p:grpSpPr>
+        <a:xfrm>
+          <a:off x="0" y="0"/>
+          <a:ext cx="0" cy="0"/>
+          <a:chOff x="0" y="0"/>
+          <a:chExt cx="0" cy="0"/>
+        </a:xfrm>
+      </p:grpSpPr>
+      <p:sp>
+        <p:nvSpPr>
+          <p:cNvPr id="4" name="文本框 3">
+            <a:extLst>
+              <a:ext uri="{FF2B5EF4-FFF2-40B4-BE49-F238E27FC236}">
+                <a16:creationId xmlns:a16="http://schemas.microsoft.com/office/drawing/2014/main" id="{209567F4-9B5C-49B6-93DE-AFA16503E766}"/>
+              </a:ext>
+            </a:extLst>
+          </p:cNvPr>
+          <p:cNvSpPr txBox="1"/>
+          <p:nvPr/>
+        </p:nvSpPr>
+        <p:spPr>
+          <a:xfrm>
+            <a:off x="342900" y="330200"/>
+            <a:ext cx="4295712" cy="461665"/>
+          </a:xfrm>
+          <a:prstGeom prst="rect">
+            <a:avLst/>
+          </a:prstGeom>
+          <a:noFill/>
+        </p:spPr>
+        <p:txBody>
+          <a:bodyPr wrap="square" rtlCol="0">
+            <a:spAutoFit/>
+          </a:bodyPr>
+          <a:lstStyle/>
+          <a:p>
+            <a:r>
+              <a:rPr lang="en-US" altLang="zh-CN" sz="2400" dirty="0"/>
+              <a:t>|&gt; </a:t>
+            </a:r>
+            <a:r>
+              <a:rPr lang="zh-CN" altLang="en-US" sz="2400" dirty="0"/>
+              <a:t>研究过程 （社群划分）</a:t>
+            </a:r>
+          </a:p>
+        </p:txBody>
+      </p:sp>
+      <p:sp>
+        <p:nvSpPr>
+          <p:cNvPr id="3" name="矩形 2">
+            <a:extLst>
+              <a:ext uri="{FF2B5EF4-FFF2-40B4-BE49-F238E27FC236}">
+                <a16:creationId xmlns:a16="http://schemas.microsoft.com/office/drawing/2014/main" id="{C0C2B5D5-B85A-4FC2-8044-53337A0121BF}"/>
+              </a:ext>
+            </a:extLst>
+          </p:cNvPr>
+          <p:cNvSpPr/>
+          <p:nvPr/>
+        </p:nvSpPr>
+        <p:spPr>
+          <a:xfrm>
+            <a:off x="635841" y="1211125"/>
+            <a:ext cx="7339423" cy="4247317"/>
+          </a:xfrm>
+          <a:prstGeom prst="rect">
+            <a:avLst/>
+          </a:prstGeom>
+        </p:spPr>
+        <p:txBody>
+          <a:bodyPr wrap="square">
+            <a:spAutoFit/>
+          </a:bodyPr>
+          <a:lstStyle/>
+          <a:p>
+            <a:pPr marL="285750" indent="-285750">
+              <a:buFont typeface="Arial" panose="020B0604020202020204" pitchFamily="34" charset="0"/>
+              <a:buChar char="•"/>
+            </a:pPr>
+            <a:r>
+              <a:rPr lang="zh-CN" altLang="en-US" dirty="0"/>
+              <a:t>在运用</a:t>
+            </a:r>
+            <a:r>
+              <a:rPr lang="en-US" altLang="zh-CN" dirty="0"/>
+              <a:t>GN</a:t>
+            </a:r>
+            <a:r>
+              <a:rPr lang="zh-CN" altLang="en-US" dirty="0"/>
+              <a:t>算法时，时间复杂度高达 </a:t>
+            </a:r>
+            <a:r>
+              <a:rPr lang="en-US" altLang="zh-CN" dirty="0"/>
+              <a:t>O(m^2, n)</a:t>
+            </a:r>
+            <a:r>
+              <a:rPr lang="zh-CN" altLang="en-US" dirty="0"/>
+              <a:t>，这大大加剧了小组分析的难度（难以在短时间内获得我们想要的数据，且容易将极为重要的节点提前孤立出去，导致孤立节点数量偏多）。</a:t>
+            </a:r>
+            <a:endParaRPr lang="en-US" altLang="zh-CN" dirty="0"/>
+          </a:p>
+          <a:p>
+            <a:pPr marL="285750" indent="-285750">
+              <a:buFont typeface="Arial" panose="020B0604020202020204" pitchFamily="34" charset="0"/>
+              <a:buChar char="•"/>
+            </a:pPr>
+            <a:r>
+              <a:rPr lang="zh-CN" altLang="en-US" dirty="0"/>
+              <a:t>为此，我们创新性地提出</a:t>
+            </a:r>
+            <a:r>
+              <a:rPr lang="zh-CN" altLang="en-US" b="1" dirty="0"/>
+              <a:t>优化方法</a:t>
+            </a:r>
+            <a:r>
+              <a:rPr lang="en-US" altLang="zh-CN" b="1" dirty="0"/>
+              <a:t>——GN</a:t>
+            </a:r>
+            <a:r>
+              <a:rPr lang="zh-CN" altLang="en-US" b="1" dirty="0"/>
+              <a:t>加速保护算法</a:t>
+            </a:r>
+            <a:endParaRPr lang="en-US" altLang="zh-CN" b="1" dirty="0"/>
+          </a:p>
+          <a:p>
+            <a:pPr marL="742950" lvl="1" indent="-285750">
+              <a:buFont typeface="Arial" panose="020B0604020202020204" pitchFamily="34" charset="0"/>
+              <a:buChar char="•"/>
+            </a:pPr>
+            <a:r>
+              <a:rPr lang="zh-CN" altLang="en-US" b="1" dirty="0"/>
+              <a:t>加速：</a:t>
+            </a:r>
+            <a:r>
+              <a:rPr lang="zh-CN" altLang="en-US" dirty="0"/>
+              <a:t>在</a:t>
+            </a:r>
+            <a:r>
+              <a:rPr lang="en-US" altLang="zh-CN" dirty="0"/>
+              <a:t>GN</a:t>
+            </a:r>
+            <a:r>
+              <a:rPr lang="zh-CN" altLang="en-US" dirty="0"/>
+              <a:t>算法的基础上，我们不采取每次只删一条边的方法，而改为每删</a:t>
+            </a:r>
+            <a:r>
+              <a:rPr lang="en-US" altLang="zh-CN" dirty="0"/>
+              <a:t>x</a:t>
+            </a:r>
+            <a:r>
+              <a:rPr lang="zh-CN" altLang="en-US" dirty="0"/>
+              <a:t>条边，计算一次边介数。例如，当</a:t>
+            </a:r>
+            <a:r>
+              <a:rPr lang="en-US" altLang="zh-CN" dirty="0"/>
+              <a:t>x=10</a:t>
+            </a:r>
+            <a:r>
+              <a:rPr lang="zh-CN" altLang="en-US" dirty="0"/>
+              <a:t>时，我们每删</a:t>
+            </a:r>
+            <a:r>
+              <a:rPr lang="en-US" altLang="zh-CN" dirty="0"/>
+              <a:t>10</a:t>
+            </a:r>
+            <a:r>
+              <a:rPr lang="zh-CN" altLang="en-US" dirty="0"/>
+              <a:t>条边计算一次边介数，这样速度可以提升约</a:t>
+            </a:r>
+            <a:r>
+              <a:rPr lang="en-US" altLang="zh-CN" dirty="0"/>
+              <a:t>10</a:t>
+            </a:r>
+            <a:r>
+              <a:rPr lang="zh-CN" altLang="en-US" dirty="0"/>
+              <a:t>倍。相应地，会造成精度下降，但我们可以获得模块度最大时的模糊边界，只要在边界附近重新精确删边便可以获得较为精确的划分（见表</a:t>
+            </a:r>
+            <a:r>
+              <a:rPr lang="en-US" altLang="zh-CN" dirty="0"/>
+              <a:t>2</a:t>
+            </a:r>
+            <a:r>
+              <a:rPr lang="zh-CN" altLang="en-US" dirty="0"/>
+              <a:t>）。同时，因为模块度变化的大致趋势应该相同，我们可以利用这种方法来进行数据的检验。</a:t>
+            </a:r>
+            <a:endParaRPr lang="en-US" altLang="zh-CN" dirty="0"/>
+          </a:p>
+          <a:p>
+            <a:pPr marL="742950" lvl="1" indent="-285750">
+              <a:buFont typeface="Arial" panose="020B0604020202020204" pitchFamily="34" charset="0"/>
+              <a:buChar char="•"/>
+            </a:pPr>
+            <a:r>
+              <a:rPr lang="zh-CN" altLang="en-US" b="1" dirty="0"/>
+              <a:t>保护：</a:t>
+            </a:r>
+            <a:r>
+              <a:rPr lang="zh-CN" altLang="en-US" dirty="0"/>
+              <a:t>为了防止孤立节点出现，我们加入限制条件，限制每个节点至少保留一条边。即使一个节点最后的边边介数足够大，我们也不删这条边。这样不仅可以有效防止过多的孤立社群的出现，还避免了重要节点被提前孤立。</a:t>
+            </a:r>
+          </a:p>
+        </p:txBody>
+      </p:sp>
+    </p:spTree>
+    <p:extLst>
+      <p:ext uri="{BB962C8B-B14F-4D97-AF65-F5344CB8AC3E}">
+        <p14:creationId xmlns:p14="http://schemas.microsoft.com/office/powerpoint/2010/main" val="1503501452"/>
+      </p:ext>
+    </p:extLst>
+  </p:cSld>
+  <p:clrMapOvr>
+    <a:masterClrMapping/>
+  </p:clrMapOvr>
+  <mc:AlternateContent xmlns:mc="http://schemas.openxmlformats.org/markup-compatibility/2006">
+    <mc:Choice xmlns:p14="http://schemas.microsoft.com/office/powerpoint/2010/main" Requires="p14">
+      <p:transition p14:dur="0"/>
+    </mc:Choice>
+    <mc:Fallback>
+      <p:transition/>
+    </mc:Fallback>
+  </mc:AlternateContent>
+</p:sld>
+</file>
+
+<file path=ppt/slides/slide16.xml><?xml version="1.0" encoding="utf-8"?>
+<p:sld xmlns:a="http://schemas.openxmlformats.org/drawingml/2006/main" xmlns:r="http://schemas.openxmlformats.org/officeDocument/2006/relationships" xmlns:p="http://schemas.openxmlformats.org/presentationml/2006/main">
+  <p:cSld>
+    <p:spTree>
+      <p:nvGrpSpPr>
+        <p:cNvPr id="1" name=""/>
+        <p:cNvGrpSpPr/>
+        <p:nvPr/>
+      </p:nvGrpSpPr>
+      <p:grpSpPr>
+        <a:xfrm>
+          <a:off x="0" y="0"/>
+          <a:ext cx="0" cy="0"/>
+          <a:chOff x="0" y="0"/>
+          <a:chExt cx="0" cy="0"/>
+        </a:xfrm>
+      </p:grpSpPr>
+      <p:sp>
+        <p:nvSpPr>
+          <p:cNvPr id="4" name="文本框 3">
+            <a:extLst>
+              <a:ext uri="{FF2B5EF4-FFF2-40B4-BE49-F238E27FC236}">
+                <a16:creationId xmlns:a16="http://schemas.microsoft.com/office/drawing/2014/main" id="{209567F4-9B5C-49B6-93DE-AFA16503E766}"/>
+              </a:ext>
+            </a:extLst>
+          </p:cNvPr>
+          <p:cNvSpPr txBox="1"/>
+          <p:nvPr/>
+        </p:nvSpPr>
+        <p:spPr>
+          <a:xfrm>
+            <a:off x="342900" y="330200"/>
+            <a:ext cx="4295712" cy="461665"/>
+          </a:xfrm>
+          <a:prstGeom prst="rect">
+            <a:avLst/>
+          </a:prstGeom>
+          <a:noFill/>
+        </p:spPr>
+        <p:txBody>
+          <a:bodyPr wrap="square" rtlCol="0">
+            <a:spAutoFit/>
+          </a:bodyPr>
+          <a:lstStyle/>
+          <a:p>
+            <a:r>
+              <a:rPr lang="en-US" altLang="zh-CN" sz="2400" dirty="0"/>
+              <a:t>|&gt; </a:t>
+            </a:r>
+            <a:r>
+              <a:rPr lang="zh-CN" altLang="en-US" sz="2400" dirty="0"/>
+              <a:t>研究过程 （数据获取）</a:t>
+            </a:r>
+          </a:p>
+        </p:txBody>
+      </p:sp>
+    </p:spTree>
+    <p:extLst>
+      <p:ext uri="{BB962C8B-B14F-4D97-AF65-F5344CB8AC3E}">
+        <p14:creationId xmlns:p14="http://schemas.microsoft.com/office/powerpoint/2010/main" val="1871484421"/>
+      </p:ext>
+    </p:extLst>
+  </p:cSld>
+  <p:clrMapOvr>
+    <a:masterClrMapping/>
+  </p:clrMapOvr>
+  <mc:AlternateContent xmlns:mc="http://schemas.openxmlformats.org/markup-compatibility/2006">
+    <mc:Choice xmlns:p14="http://schemas.microsoft.com/office/powerpoint/2010/main" Requires="p14">
+      <p:transition p14:dur="0"/>
+    </mc:Choice>
+    <mc:Fallback>
+      <p:transition/>
+    </mc:Fallback>
+  </mc:AlternateContent>
+</p:sld>
+</file>
+
+<file path=ppt/slides/slide17.xml><?xml version="1.0" encoding="utf-8"?>
+<p:sld xmlns:a="http://schemas.openxmlformats.org/drawingml/2006/main" xmlns:r="http://schemas.openxmlformats.org/officeDocument/2006/relationships" xmlns:p="http://schemas.openxmlformats.org/presentationml/2006/main">
+  <p:cSld>
+    <p:spTree>
+      <p:nvGrpSpPr>
+        <p:cNvPr id="1" name=""/>
+        <p:cNvGrpSpPr/>
+        <p:nvPr/>
+      </p:nvGrpSpPr>
+      <p:grpSpPr>
+        <a:xfrm>
+          <a:off x="0" y="0"/>
+          <a:ext cx="0" cy="0"/>
+          <a:chOff x="0" y="0"/>
+          <a:chExt cx="0" cy="0"/>
+        </a:xfrm>
+      </p:grpSpPr>
+      <p:sp>
+        <p:nvSpPr>
+          <p:cNvPr id="4" name="文本框 3">
+            <a:extLst>
+              <a:ext uri="{FF2B5EF4-FFF2-40B4-BE49-F238E27FC236}">
+                <a16:creationId xmlns:a16="http://schemas.microsoft.com/office/drawing/2014/main" id="{209567F4-9B5C-49B6-93DE-AFA16503E766}"/>
+              </a:ext>
+            </a:extLst>
+          </p:cNvPr>
+          <p:cNvSpPr txBox="1"/>
+          <p:nvPr/>
+        </p:nvSpPr>
+        <p:spPr>
+          <a:xfrm>
+            <a:off x="342900" y="330200"/>
+            <a:ext cx="4295712" cy="461665"/>
+          </a:xfrm>
+          <a:prstGeom prst="rect">
+            <a:avLst/>
+          </a:prstGeom>
+          <a:noFill/>
+        </p:spPr>
+        <p:txBody>
+          <a:bodyPr wrap="square" rtlCol="0">
+            <a:spAutoFit/>
+          </a:bodyPr>
+          <a:lstStyle/>
+          <a:p>
+            <a:r>
+              <a:rPr lang="en-US" altLang="zh-CN" sz="2400" dirty="0"/>
+              <a:t>|&gt; </a:t>
+            </a:r>
+            <a:r>
+              <a:rPr lang="zh-CN" altLang="en-US" sz="2400" dirty="0"/>
+              <a:t>研究过程 （数据获取）</a:t>
+            </a:r>
+          </a:p>
+        </p:txBody>
+      </p:sp>
+    </p:spTree>
+    <p:extLst>
+      <p:ext uri="{BB962C8B-B14F-4D97-AF65-F5344CB8AC3E}">
+        <p14:creationId xmlns:p14="http://schemas.microsoft.com/office/powerpoint/2010/main" val="2462318515"/>
+      </p:ext>
+    </p:extLst>
+  </p:cSld>
+  <p:clrMapOvr>
+    <a:masterClrMapping/>
+  </p:clrMapOvr>
+  <mc:AlternateContent xmlns:mc="http://schemas.openxmlformats.org/markup-compatibility/2006">
+    <mc:Choice xmlns:p14="http://schemas.microsoft.com/office/powerpoint/2010/main" Requires="p14">
+      <p:transition p14:dur="0"/>
+    </mc:Choice>
+    <mc:Fallback>
+      <p:transition/>
+    </mc:Fallback>
+  </mc:AlternateContent>
+</p:sld>
+</file>
+
+<file path=ppt/slides/slide18.xml><?xml version="1.0" encoding="utf-8"?>
+<p:sld xmlns:a="http://schemas.openxmlformats.org/drawingml/2006/main" xmlns:r="http://schemas.openxmlformats.org/officeDocument/2006/relationships" xmlns:p="http://schemas.openxmlformats.org/presentationml/2006/main">
+  <p:cSld>
+    <p:spTree>
+      <p:nvGrpSpPr>
+        <p:cNvPr id="1" name=""/>
+        <p:cNvGrpSpPr/>
+        <p:nvPr/>
+      </p:nvGrpSpPr>
+      <p:grpSpPr>
+        <a:xfrm>
+          <a:off x="0" y="0"/>
+          <a:ext cx="0" cy="0"/>
+          <a:chOff x="0" y="0"/>
+          <a:chExt cx="0" cy="0"/>
+        </a:xfrm>
+      </p:grpSpPr>
+      <p:sp>
+        <p:nvSpPr>
+          <p:cNvPr id="4" name="文本框 3">
+            <a:extLst>
+              <a:ext uri="{FF2B5EF4-FFF2-40B4-BE49-F238E27FC236}">
+                <a16:creationId xmlns:a16="http://schemas.microsoft.com/office/drawing/2014/main" id="{209567F4-9B5C-49B6-93DE-AFA16503E766}"/>
+              </a:ext>
+            </a:extLst>
+          </p:cNvPr>
+          <p:cNvSpPr txBox="1"/>
+          <p:nvPr/>
+        </p:nvSpPr>
+        <p:spPr>
+          <a:xfrm>
+            <a:off x="342900" y="330200"/>
+            <a:ext cx="2635250" cy="461665"/>
+          </a:xfrm>
+          <a:prstGeom prst="rect">
+            <a:avLst/>
+          </a:prstGeom>
+          <a:noFill/>
+        </p:spPr>
+        <p:txBody>
+          <a:bodyPr wrap="square" rtlCol="0">
+            <a:spAutoFit/>
+          </a:bodyPr>
+          <a:lstStyle/>
+          <a:p>
+            <a:r>
+              <a:rPr lang="en-US" altLang="zh-CN" sz="2400" dirty="0"/>
+              <a:t>|&gt; </a:t>
+            </a:r>
+            <a:r>
+              <a:rPr lang="zh-CN" altLang="en-US" sz="2400" dirty="0"/>
+              <a:t>研究成果</a:t>
+            </a:r>
+          </a:p>
+        </p:txBody>
+      </p:sp>
+      <p:sp>
+        <p:nvSpPr>
+          <p:cNvPr id="6" name="文本框 5">
+            <a:extLst>
+              <a:ext uri="{FF2B5EF4-FFF2-40B4-BE49-F238E27FC236}">
+                <a16:creationId xmlns:a16="http://schemas.microsoft.com/office/drawing/2014/main" id="{2B795E92-C82B-46B1-97E7-01980E96AE9E}"/>
+              </a:ext>
+            </a:extLst>
+          </p:cNvPr>
+          <p:cNvSpPr txBox="1"/>
+          <p:nvPr/>
+        </p:nvSpPr>
+        <p:spPr>
+          <a:xfrm>
+            <a:off x="527050" y="1149350"/>
+            <a:ext cx="7245350" cy="458908"/>
+          </a:xfrm>
+          <a:prstGeom prst="rect">
+            <a:avLst/>
+          </a:prstGeom>
+          <a:noFill/>
+        </p:spPr>
+        <p:txBody>
+          <a:bodyPr wrap="square" rtlCol="0">
+            <a:spAutoFit/>
+          </a:bodyPr>
+          <a:lstStyle/>
+          <a:p>
+            <a:pPr marL="285750" indent="-285750">
+              <a:lnSpc>
+                <a:spcPct val="150000"/>
+              </a:lnSpc>
+              <a:buFont typeface="Arial" panose="020B0604020202020204" pitchFamily="34" charset="0"/>
+              <a:buChar char="•"/>
+            </a:pPr>
+            <a:r>
+              <a:rPr lang="en-US" altLang="zh-CN" dirty="0">
+                <a:solidFill>
+                  <a:schemeClr val="tx1">
+                    <a:lumMod val="65000"/>
+                    <a:lumOff val="35000"/>
+                  </a:schemeClr>
+                </a:solidFill>
+                <a:latin typeface="+mn-ea"/>
+              </a:rPr>
+              <a:t>Something here</a:t>
+            </a:r>
+            <a:r>
+              <a:rPr lang="zh-CN" altLang="en-US" dirty="0">
+                <a:solidFill>
+                  <a:schemeClr val="tx1">
+                    <a:lumMod val="65000"/>
+                    <a:lumOff val="35000"/>
+                  </a:schemeClr>
+                </a:solidFill>
+                <a:latin typeface="+mn-ea"/>
+              </a:rPr>
+              <a:t>。。。</a:t>
+            </a:r>
+            <a:endParaRPr lang="en-US" altLang="zh-CN" dirty="0">
+              <a:solidFill>
+                <a:schemeClr val="tx1">
+                  <a:lumMod val="65000"/>
+                  <a:lumOff val="35000"/>
+                </a:schemeClr>
+              </a:solidFill>
+              <a:latin typeface="+mn-ea"/>
+            </a:endParaRPr>
+          </a:p>
+        </p:txBody>
+      </p:sp>
+    </p:spTree>
+    <p:extLst>
+      <p:ext uri="{BB962C8B-B14F-4D97-AF65-F5344CB8AC3E}">
+        <p14:creationId xmlns:p14="http://schemas.microsoft.com/office/powerpoint/2010/main" val="4292710833"/>
+      </p:ext>
+    </p:extLst>
+  </p:cSld>
+  <p:clrMapOvr>
+    <a:masterClrMapping/>
+  </p:clrMapOvr>
+  <mc:AlternateContent xmlns:mc="http://schemas.openxmlformats.org/markup-compatibility/2006">
+    <mc:Choice xmlns:p14="http://schemas.microsoft.com/office/powerpoint/2010/main" Requires="p14">
+      <p:transition p14:dur="0"/>
+    </mc:Choice>
+    <mc:Fallback>
+      <p:transition/>
+    </mc:Fallback>
+  </mc:AlternateContent>
+</p:sld>
+</file>
+
+<file path=ppt/slides/slide19.xml><?xml version="1.0" encoding="utf-8"?>
+<p:sld xmlns:a="http://schemas.openxmlformats.org/drawingml/2006/main" xmlns:r="http://schemas.openxmlformats.org/officeDocument/2006/relationships" xmlns:p="http://schemas.openxmlformats.org/presentationml/2006/main">
+  <p:cSld>
+    <p:spTree>
+      <p:nvGrpSpPr>
+        <p:cNvPr id="1" name=""/>
+        <p:cNvGrpSpPr/>
+        <p:nvPr/>
+      </p:nvGrpSpPr>
+      <p:grpSpPr>
+        <a:xfrm>
+          <a:off x="0" y="0"/>
+          <a:ext cx="0" cy="0"/>
+          <a:chOff x="0" y="0"/>
+          <a:chExt cx="0" cy="0"/>
+        </a:xfrm>
+      </p:grpSpPr>
+      <p:sp>
+        <p:nvSpPr>
+          <p:cNvPr id="4" name="文本框 3">
+            <a:extLst>
+              <a:ext uri="{FF2B5EF4-FFF2-40B4-BE49-F238E27FC236}">
+                <a16:creationId xmlns:a16="http://schemas.microsoft.com/office/drawing/2014/main" id="{209567F4-9B5C-49B6-93DE-AFA16503E766}"/>
+              </a:ext>
+            </a:extLst>
+          </p:cNvPr>
+          <p:cNvSpPr txBox="1"/>
+          <p:nvPr/>
+        </p:nvSpPr>
+        <p:spPr>
+          <a:xfrm>
+            <a:off x="342899" y="330200"/>
+            <a:ext cx="3205699" cy="461665"/>
+          </a:xfrm>
+          <a:prstGeom prst="rect">
+            <a:avLst/>
+          </a:prstGeom>
+          <a:noFill/>
+        </p:spPr>
+        <p:txBody>
+          <a:bodyPr wrap="square" rtlCol="0">
+            <a:spAutoFit/>
+          </a:bodyPr>
+          <a:lstStyle/>
+          <a:p>
+            <a:r>
+              <a:rPr lang="en-US" altLang="zh-CN" sz="2400" dirty="0"/>
+              <a:t>|&gt; </a:t>
+            </a:r>
+            <a:r>
+              <a:rPr lang="zh-CN" altLang="en-US" sz="2400" dirty="0"/>
+              <a:t>研究感受</a:t>
+            </a:r>
+          </a:p>
+        </p:txBody>
+      </p:sp>
+      <p:sp>
+        <p:nvSpPr>
+          <p:cNvPr id="6" name="文本框 5">
+            <a:extLst>
+              <a:ext uri="{FF2B5EF4-FFF2-40B4-BE49-F238E27FC236}">
+                <a16:creationId xmlns:a16="http://schemas.microsoft.com/office/drawing/2014/main" id="{2B795E92-C82B-46B1-97E7-01980E96AE9E}"/>
+              </a:ext>
+            </a:extLst>
+          </p:cNvPr>
+          <p:cNvSpPr txBox="1"/>
+          <p:nvPr/>
+        </p:nvSpPr>
+        <p:spPr>
+          <a:xfrm>
+            <a:off x="527050" y="1149350"/>
+            <a:ext cx="7245350" cy="458908"/>
+          </a:xfrm>
+          <a:prstGeom prst="rect">
+            <a:avLst/>
+          </a:prstGeom>
+          <a:noFill/>
+        </p:spPr>
+        <p:txBody>
+          <a:bodyPr wrap="square" rtlCol="0">
+            <a:spAutoFit/>
+          </a:bodyPr>
+          <a:lstStyle/>
+          <a:p>
+            <a:pPr marL="285750" indent="-285750">
+              <a:lnSpc>
+                <a:spcPct val="150000"/>
+              </a:lnSpc>
+              <a:buFont typeface="Arial" panose="020B0604020202020204" pitchFamily="34" charset="0"/>
+              <a:buChar char="•"/>
+            </a:pPr>
+            <a:r>
+              <a:rPr lang="en-US" altLang="zh-CN" dirty="0">
+                <a:solidFill>
+                  <a:schemeClr val="tx1">
+                    <a:lumMod val="65000"/>
+                    <a:lumOff val="35000"/>
+                  </a:schemeClr>
+                </a:solidFill>
+                <a:latin typeface="+mn-ea"/>
+              </a:rPr>
+              <a:t>Something here</a:t>
+            </a:r>
+            <a:r>
+              <a:rPr lang="zh-CN" altLang="en-US" dirty="0">
+                <a:solidFill>
+                  <a:schemeClr val="tx1">
+                    <a:lumMod val="65000"/>
+                    <a:lumOff val="35000"/>
+                  </a:schemeClr>
+                </a:solidFill>
+                <a:latin typeface="+mn-ea"/>
+              </a:rPr>
+              <a:t>。。。</a:t>
+            </a:r>
+            <a:endParaRPr lang="en-US" altLang="zh-CN" dirty="0">
+              <a:solidFill>
+                <a:schemeClr val="tx1">
+                  <a:lumMod val="65000"/>
+                  <a:lumOff val="35000"/>
+                </a:schemeClr>
+              </a:solidFill>
+              <a:latin typeface="+mn-ea"/>
+            </a:endParaRPr>
+          </a:p>
+        </p:txBody>
+      </p:sp>
+    </p:spTree>
+    <p:extLst>
+      <p:ext uri="{BB962C8B-B14F-4D97-AF65-F5344CB8AC3E}">
+        <p14:creationId xmlns:p14="http://schemas.microsoft.com/office/powerpoint/2010/main" val="3794462122"/>
+      </p:ext>
+    </p:extLst>
+  </p:cSld>
+  <p:clrMapOvr>
+    <a:masterClrMapping/>
+  </p:clrMapOvr>
+  <mc:AlternateContent xmlns:mc="http://schemas.openxmlformats.org/markup-compatibility/2006">
+    <mc:Choice xmlns:p14="http://schemas.microsoft.com/office/powerpoint/2010/main" Requires="p14">
+      <p:transition p14:dur="0"/>
+    </mc:Choice>
+    <mc:Fallback>
+      <p:transition/>
     </mc:Fallback>
   </mc:AlternateContent>
 </p:sld>
@@ -5196,16 +7300,160 @@
   <p:clrMapOvr>
     <a:masterClrMapping/>
   </p:clrMapOvr>
-  <mc:AlternateContent xmlns:mc="http://schemas.openxmlformats.org/markup-compatibility/2006" xmlns:p14="http://schemas.microsoft.com/office/powerpoint/2010/main">
-    <mc:Choice Requires="p14">
-      <p:transition spd="slow" p14:dur="1500">
-        <p:random/>
-      </p:transition>
+  <mc:AlternateContent xmlns:mc="http://schemas.openxmlformats.org/markup-compatibility/2006">
+    <mc:Choice xmlns:p14="http://schemas.microsoft.com/office/powerpoint/2010/main" Requires="p14">
+      <p:transition p14:dur="0"/>
     </mc:Choice>
-    <mc:Fallback xmlns="">
-      <p:transition spd="slow">
-        <p:random/>
-      </p:transition>
+    <mc:Fallback>
+      <p:transition/>
+    </mc:Fallback>
+  </mc:AlternateContent>
+</p:sld>
+</file>
+
+<file path=ppt/slides/slide20.xml><?xml version="1.0" encoding="utf-8"?>
+<p:sld xmlns:a="http://schemas.openxmlformats.org/drawingml/2006/main" xmlns:r="http://schemas.openxmlformats.org/officeDocument/2006/relationships" xmlns:p="http://schemas.openxmlformats.org/presentationml/2006/main">
+  <p:cSld>
+    <p:spTree>
+      <p:nvGrpSpPr>
+        <p:cNvPr id="1" name=""/>
+        <p:cNvGrpSpPr/>
+        <p:nvPr/>
+      </p:nvGrpSpPr>
+      <p:grpSpPr>
+        <a:xfrm>
+          <a:off x="0" y="0"/>
+          <a:ext cx="0" cy="0"/>
+          <a:chOff x="0" y="0"/>
+          <a:chExt cx="0" cy="0"/>
+        </a:xfrm>
+      </p:grpSpPr>
+      <p:sp>
+        <p:nvSpPr>
+          <p:cNvPr id="4" name="文本框 3">
+            <a:extLst>
+              <a:ext uri="{FF2B5EF4-FFF2-40B4-BE49-F238E27FC236}">
+                <a16:creationId xmlns:a16="http://schemas.microsoft.com/office/drawing/2014/main" id="{209567F4-9B5C-49B6-93DE-AFA16503E766}"/>
+              </a:ext>
+            </a:extLst>
+          </p:cNvPr>
+          <p:cNvSpPr txBox="1"/>
+          <p:nvPr/>
+        </p:nvSpPr>
+        <p:spPr>
+          <a:xfrm>
+            <a:off x="342900" y="330200"/>
+            <a:ext cx="2635250" cy="461665"/>
+          </a:xfrm>
+          <a:prstGeom prst="rect">
+            <a:avLst/>
+          </a:prstGeom>
+          <a:noFill/>
+        </p:spPr>
+        <p:txBody>
+          <a:bodyPr wrap="square" rtlCol="0">
+            <a:spAutoFit/>
+          </a:bodyPr>
+          <a:lstStyle/>
+          <a:p>
+            <a:r>
+              <a:rPr lang="en-US" altLang="zh-CN" sz="2400" dirty="0"/>
+              <a:t>|&gt; </a:t>
+            </a:r>
+            <a:r>
+              <a:rPr lang="zh-CN" altLang="en-US" sz="2400" dirty="0"/>
+              <a:t>研究过程</a:t>
+            </a:r>
+          </a:p>
+        </p:txBody>
+      </p:sp>
+      <p:sp>
+        <p:nvSpPr>
+          <p:cNvPr id="6" name="文本框 5">
+            <a:extLst>
+              <a:ext uri="{FF2B5EF4-FFF2-40B4-BE49-F238E27FC236}">
+                <a16:creationId xmlns:a16="http://schemas.microsoft.com/office/drawing/2014/main" id="{2B795E92-C82B-46B1-97E7-01980E96AE9E}"/>
+              </a:ext>
+            </a:extLst>
+          </p:cNvPr>
+          <p:cNvSpPr txBox="1"/>
+          <p:nvPr/>
+        </p:nvSpPr>
+        <p:spPr>
+          <a:xfrm>
+            <a:off x="527050" y="1149350"/>
+            <a:ext cx="7245350" cy="458908"/>
+          </a:xfrm>
+          <a:prstGeom prst="rect">
+            <a:avLst/>
+          </a:prstGeom>
+          <a:noFill/>
+        </p:spPr>
+        <p:txBody>
+          <a:bodyPr wrap="square" rtlCol="0">
+            <a:spAutoFit/>
+          </a:bodyPr>
+          <a:lstStyle/>
+          <a:p>
+            <a:pPr marL="285750" indent="-285750">
+              <a:lnSpc>
+                <a:spcPct val="150000"/>
+              </a:lnSpc>
+              <a:buFont typeface="Arial" panose="020B0604020202020204" pitchFamily="34" charset="0"/>
+              <a:buChar char="•"/>
+            </a:pPr>
+            <a:r>
+              <a:rPr lang="en-US" altLang="zh-CN" dirty="0">
+                <a:solidFill>
+                  <a:schemeClr val="tx1">
+                    <a:lumMod val="65000"/>
+                    <a:lumOff val="35000"/>
+                  </a:schemeClr>
+                </a:solidFill>
+                <a:latin typeface="+mn-ea"/>
+              </a:rPr>
+              <a:t>Something here</a:t>
+            </a:r>
+            <a:r>
+              <a:rPr lang="zh-CN" altLang="en-US" dirty="0">
+                <a:solidFill>
+                  <a:schemeClr val="tx1">
+                    <a:lumMod val="65000"/>
+                    <a:lumOff val="35000"/>
+                  </a:schemeClr>
+                </a:solidFill>
+                <a:latin typeface="+mn-ea"/>
+              </a:rPr>
+              <a:t>。。。</a:t>
+            </a:r>
+            <a:endParaRPr lang="en-US" altLang="zh-CN" dirty="0">
+              <a:solidFill>
+                <a:schemeClr val="tx1">
+                  <a:lumMod val="65000"/>
+                  <a:lumOff val="35000"/>
+                </a:schemeClr>
+              </a:solidFill>
+              <a:latin typeface="+mn-ea"/>
+            </a:endParaRPr>
+          </a:p>
+        </p:txBody>
+      </p:sp>
+    </p:spTree>
+    <p:extLst>
+      <p:ext uri="{BB962C8B-B14F-4D97-AF65-F5344CB8AC3E}">
+        <p14:creationId xmlns:p14="http://schemas.microsoft.com/office/powerpoint/2010/main" val="1237277898"/>
+      </p:ext>
+    </p:extLst>
+  </p:cSld>
+  <p:clrMapOvr>
+    <a:masterClrMapping/>
+  </p:clrMapOvr>
+  <mc:AlternateContent xmlns:mc="http://schemas.openxmlformats.org/markup-compatibility/2006">
+    <mc:Choice xmlns:p14="http://schemas.microsoft.com/office/powerpoint/2010/main" Requires="p14">
+      <p:transition p14:dur="0"/>
+    </mc:Choice>
+    <mc:Fallback>
+      <p:transition/>
     </mc:Fallback>
   </mc:AlternateContent>
 </p:sld>
@@ -5504,16 +7752,12 @@
   <p:clrMapOvr>
     <a:masterClrMapping/>
   </p:clrMapOvr>
-  <mc:AlternateContent xmlns:mc="http://schemas.openxmlformats.org/markup-compatibility/2006" xmlns:p14="http://schemas.microsoft.com/office/powerpoint/2010/main">
-    <mc:Choice Requires="p14">
-      <p:transition spd="slow" p14:dur="1500">
-        <p:random/>
-      </p:transition>
+  <mc:AlternateContent xmlns:mc="http://schemas.openxmlformats.org/markup-compatibility/2006">
+    <mc:Choice xmlns:p14="http://schemas.microsoft.com/office/powerpoint/2010/main" Requires="p14">
+      <p:transition p14:dur="0"/>
     </mc:Choice>
-    <mc:Fallback xmlns="">
-      <p:transition spd="slow">
-        <p:random/>
-      </p:transition>
+    <mc:Fallback>
+      <p:transition/>
     </mc:Fallback>
   </mc:AlternateContent>
 </p:sld>
@@ -5740,16 +7984,1166 @@
   <p:clrMapOvr>
     <a:masterClrMapping/>
   </p:clrMapOvr>
-  <mc:AlternateContent xmlns:mc="http://schemas.openxmlformats.org/markup-compatibility/2006" xmlns:p14="http://schemas.microsoft.com/office/powerpoint/2010/main">
-    <mc:Choice Requires="p14">
-      <p:transition spd="slow" p14:dur="1500">
-        <p:random/>
-      </p:transition>
+  <mc:AlternateContent xmlns:mc="http://schemas.openxmlformats.org/markup-compatibility/2006">
+    <mc:Choice xmlns:p14="http://schemas.microsoft.com/office/powerpoint/2010/main" Requires="p14">
+      <p:transition p14:dur="0"/>
     </mc:Choice>
-    <mc:Fallback xmlns="">
-      <p:transition spd="slow">
-        <p:random/>
-      </p:transition>
+    <mc:Fallback>
+      <p:transition/>
+    </mc:Fallback>
+  </mc:AlternateContent>
+</p:sld>
+</file>
+
+<file path=ppt/slides/slide5.xml><?xml version="1.0" encoding="utf-8"?>
+<p:sld xmlns:a="http://schemas.openxmlformats.org/drawingml/2006/main" xmlns:r="http://schemas.openxmlformats.org/officeDocument/2006/relationships" xmlns:p="http://schemas.openxmlformats.org/presentationml/2006/main">
+  <p:cSld>
+    <p:spTree>
+      <p:nvGrpSpPr>
+        <p:cNvPr id="1" name=""/>
+        <p:cNvGrpSpPr/>
+        <p:nvPr/>
+      </p:nvGrpSpPr>
+      <p:grpSpPr>
+        <a:xfrm>
+          <a:off x="0" y="0"/>
+          <a:ext cx="0" cy="0"/>
+          <a:chOff x="0" y="0"/>
+          <a:chExt cx="0" cy="0"/>
+        </a:xfrm>
+      </p:grpSpPr>
+      <p:sp>
+        <p:nvSpPr>
+          <p:cNvPr id="4" name="文本框 3">
+            <a:extLst>
+              <a:ext uri="{FF2B5EF4-FFF2-40B4-BE49-F238E27FC236}">
+                <a16:creationId xmlns:a16="http://schemas.microsoft.com/office/drawing/2014/main" id="{209567F4-9B5C-49B6-93DE-AFA16503E766}"/>
+              </a:ext>
+            </a:extLst>
+          </p:cNvPr>
+          <p:cNvSpPr txBox="1"/>
+          <p:nvPr/>
+        </p:nvSpPr>
+        <p:spPr>
+          <a:xfrm>
+            <a:off x="342900" y="330200"/>
+            <a:ext cx="3847595" cy="461665"/>
+          </a:xfrm>
+          <a:prstGeom prst="rect">
+            <a:avLst/>
+          </a:prstGeom>
+          <a:noFill/>
+        </p:spPr>
+        <p:txBody>
+          <a:bodyPr wrap="square" rtlCol="0">
+            <a:spAutoFit/>
+          </a:bodyPr>
+          <a:lstStyle/>
+          <a:p>
+            <a:r>
+              <a:rPr lang="en-US" altLang="zh-CN" sz="2400" dirty="0"/>
+              <a:t>|&gt; </a:t>
+            </a:r>
+            <a:r>
+              <a:rPr lang="zh-CN" altLang="en-US" sz="2400" dirty="0"/>
+              <a:t>模型建立 （因素分析）</a:t>
+            </a:r>
+          </a:p>
+        </p:txBody>
+      </p:sp>
+      <p:sp>
+        <p:nvSpPr>
+          <p:cNvPr id="6" name="文本框 5">
+            <a:extLst>
+              <a:ext uri="{FF2B5EF4-FFF2-40B4-BE49-F238E27FC236}">
+                <a16:creationId xmlns:a16="http://schemas.microsoft.com/office/drawing/2014/main" id="{2B795E92-C82B-46B1-97E7-01980E96AE9E}"/>
+              </a:ext>
+            </a:extLst>
+          </p:cNvPr>
+          <p:cNvSpPr txBox="1"/>
+          <p:nvPr/>
+        </p:nvSpPr>
+        <p:spPr>
+          <a:xfrm>
+            <a:off x="399882" y="1022182"/>
+            <a:ext cx="7245350" cy="3624069"/>
+          </a:xfrm>
+          <a:prstGeom prst="rect">
+            <a:avLst/>
+          </a:prstGeom>
+          <a:noFill/>
+        </p:spPr>
+        <p:txBody>
+          <a:bodyPr wrap="square" rtlCol="0">
+            <a:spAutoFit/>
+          </a:bodyPr>
+          <a:lstStyle/>
+          <a:p>
+            <a:pPr>
+              <a:lnSpc>
+                <a:spcPct val="150000"/>
+              </a:lnSpc>
+            </a:pPr>
+            <a:r>
+              <a:rPr lang="zh-CN" altLang="en-US" dirty="0"/>
+              <a:t>我们假设，一个虚拟主播在交际圈中的影响力与以下因素有关：</a:t>
+            </a:r>
+            <a:endParaRPr lang="en-US" altLang="zh-CN" dirty="0"/>
+          </a:p>
+          <a:p>
+            <a:pPr>
+              <a:lnSpc>
+                <a:spcPct val="150000"/>
+              </a:lnSpc>
+            </a:pPr>
+            <a:endParaRPr lang="en-US" altLang="zh-CN" sz="700" dirty="0"/>
+          </a:p>
+          <a:p>
+            <a:pPr marL="400050" indent="-400050">
+              <a:buAutoNum type="romanLcParenBoth"/>
+            </a:pPr>
+            <a:r>
+              <a:rPr lang="zh-CN" altLang="en-US" b="1" dirty="0"/>
+              <a:t>内因</a:t>
+            </a:r>
+            <a:endParaRPr lang="en-US" altLang="zh-CN" b="1" dirty="0"/>
+          </a:p>
+          <a:p>
+            <a:pPr marL="285750" indent="-285750">
+              <a:buFont typeface="Arial" panose="020B0604020202020204" pitchFamily="34" charset="0"/>
+              <a:buChar char="•"/>
+            </a:pPr>
+            <a:r>
+              <a:rPr lang="zh-CN" altLang="en-US" dirty="0"/>
+              <a:t>外貌因素（颜值）</a:t>
+            </a:r>
+            <a:endParaRPr lang="en-US" altLang="zh-CN" dirty="0"/>
+          </a:p>
+          <a:p>
+            <a:pPr marL="742950" lvl="1" indent="-285750">
+              <a:buFont typeface="Arial" panose="020B0604020202020204" pitchFamily="34" charset="0"/>
+              <a:buChar char="•"/>
+            </a:pPr>
+            <a:r>
+              <a:rPr lang="zh-CN" altLang="en-US" dirty="0"/>
+              <a:t>虚拟主播的形象是</a:t>
+            </a:r>
+            <a:r>
+              <a:rPr lang="zh-CN" altLang="en-US" b="1" dirty="0"/>
+              <a:t>人为设计</a:t>
+            </a:r>
+            <a:r>
+              <a:rPr lang="zh-CN" altLang="en-US" dirty="0"/>
+              <a:t>的。</a:t>
+            </a:r>
+            <a:endParaRPr lang="en-US" altLang="zh-CN" dirty="0"/>
+          </a:p>
+          <a:p>
+            <a:pPr marL="742950" lvl="1" indent="-285750">
+              <a:buFont typeface="Arial" panose="020B0604020202020204" pitchFamily="34" charset="0"/>
+              <a:buChar char="•"/>
+            </a:pPr>
+            <a:r>
+              <a:rPr lang="zh-CN" altLang="en-US" sz="1600" dirty="0"/>
+              <a:t>样本范围中，不妨认为虚拟主播的颜值为</a:t>
+            </a:r>
+            <a:r>
+              <a:rPr lang="zh-CN" altLang="en-US" sz="1600" b="1" dirty="0"/>
+              <a:t>同一水平</a:t>
+            </a:r>
+            <a:r>
+              <a:rPr lang="zh-CN" altLang="en-US" sz="1600" dirty="0"/>
+              <a:t>。</a:t>
+            </a:r>
+            <a:endParaRPr lang="en-US" altLang="zh-CN" sz="1600" dirty="0"/>
+          </a:p>
+          <a:p>
+            <a:pPr marL="285750" indent="-285750">
+              <a:buFont typeface="Arial" panose="020B0604020202020204" pitchFamily="34" charset="0"/>
+              <a:buChar char="•"/>
+            </a:pPr>
+            <a:r>
+              <a:rPr lang="zh-CN" altLang="en-US" dirty="0"/>
+              <a:t>绝对能力值</a:t>
+            </a:r>
+            <a:endParaRPr lang="en-US" altLang="zh-CN" dirty="0"/>
+          </a:p>
+          <a:p>
+            <a:pPr marL="742950" lvl="1" indent="-285750">
+              <a:buFont typeface="Arial" panose="020B0604020202020204" pitchFamily="34" charset="0"/>
+              <a:buChar char="•"/>
+            </a:pPr>
+            <a:r>
+              <a:rPr lang="zh-CN" altLang="en-US" sz="1600" dirty="0"/>
+              <a:t>影响力和能力正相关。</a:t>
+            </a:r>
+            <a:endParaRPr lang="en-US" altLang="zh-CN" sz="1600" dirty="0"/>
+          </a:p>
+          <a:p>
+            <a:pPr marL="742950" lvl="1" indent="-285750">
+              <a:buFont typeface="Arial" panose="020B0604020202020204" pitchFamily="34" charset="0"/>
+              <a:buChar char="•"/>
+            </a:pPr>
+            <a:r>
+              <a:rPr lang="zh-CN" altLang="en-US" sz="1600" b="1" dirty="0"/>
+              <a:t>视频平均播放量</a:t>
+            </a:r>
+            <a:r>
+              <a:rPr lang="zh-CN" altLang="en-US" sz="1600" dirty="0"/>
+              <a:t>反应绝对能力值。</a:t>
+            </a:r>
+          </a:p>
+          <a:p>
+            <a:pPr marL="285750" indent="-285750">
+              <a:buFont typeface="Arial" panose="020B0604020202020204" pitchFamily="34" charset="0"/>
+              <a:buChar char="•"/>
+            </a:pPr>
+            <a:r>
+              <a:rPr lang="zh-CN" altLang="en-US" dirty="0"/>
+              <a:t>相对能力值</a:t>
+            </a:r>
+            <a:endParaRPr lang="en-US" altLang="zh-CN" dirty="0"/>
+          </a:p>
+          <a:p>
+            <a:pPr marL="742950" lvl="1" indent="-285750">
+              <a:buFont typeface="Arial" panose="020B0604020202020204" pitchFamily="34" charset="0"/>
+              <a:buChar char="•"/>
+            </a:pPr>
+            <a:r>
+              <a:rPr lang="zh-CN" altLang="en-US" sz="1600" b="1" dirty="0"/>
+              <a:t>粉丝数量</a:t>
+            </a:r>
+            <a:r>
+              <a:rPr lang="zh-CN" altLang="en-US" sz="1600" dirty="0"/>
+              <a:t>反应能力。</a:t>
+            </a:r>
+            <a:endParaRPr lang="en-US" altLang="zh-CN" sz="1600" dirty="0"/>
+          </a:p>
+          <a:p>
+            <a:pPr marL="742950" lvl="1" indent="-285750">
+              <a:buFont typeface="Arial" panose="020B0604020202020204" pitchFamily="34" charset="0"/>
+              <a:buChar char="•"/>
+            </a:pPr>
+            <a:r>
+              <a:rPr lang="zh-CN" altLang="en-US" sz="1600" b="1" dirty="0"/>
+              <a:t>粉丝数量之比</a:t>
+            </a:r>
+            <a:r>
+              <a:rPr lang="zh-CN" altLang="en-US" sz="1600" dirty="0"/>
+              <a:t>（粉丝数量</a:t>
+            </a:r>
+            <a:r>
+              <a:rPr lang="en-US" altLang="zh-CN" sz="1600" dirty="0"/>
+              <a:t>/</a:t>
+            </a:r>
+            <a:r>
+              <a:rPr lang="zh-CN" altLang="en-US" sz="1600" dirty="0"/>
+              <a:t>最高粉丝数量）更具有研究价值，以此代表相对能力值。</a:t>
+            </a:r>
+          </a:p>
+        </p:txBody>
+      </p:sp>
+    </p:spTree>
+    <p:extLst>
+      <p:ext uri="{BB962C8B-B14F-4D97-AF65-F5344CB8AC3E}">
+        <p14:creationId xmlns:p14="http://schemas.microsoft.com/office/powerpoint/2010/main" val="161205807"/>
+      </p:ext>
+    </p:extLst>
+  </p:cSld>
+  <p:clrMapOvr>
+    <a:masterClrMapping/>
+  </p:clrMapOvr>
+  <mc:AlternateContent xmlns:mc="http://schemas.openxmlformats.org/markup-compatibility/2006">
+    <mc:Choice xmlns:p14="http://schemas.microsoft.com/office/powerpoint/2010/main" Requires="p14">
+      <p:transition p14:dur="0"/>
+    </mc:Choice>
+    <mc:Fallback>
+      <p:transition/>
+    </mc:Fallback>
+  </mc:AlternateContent>
+</p:sld>
+</file>
+
+<file path=ppt/slides/slide6.xml><?xml version="1.0" encoding="utf-8"?>
+<p:sld xmlns:a="http://schemas.openxmlformats.org/drawingml/2006/main" xmlns:r="http://schemas.openxmlformats.org/officeDocument/2006/relationships" xmlns:p="http://schemas.openxmlformats.org/presentationml/2006/main">
+  <p:cSld>
+    <p:spTree>
+      <p:nvGrpSpPr>
+        <p:cNvPr id="1" name=""/>
+        <p:cNvGrpSpPr/>
+        <p:nvPr/>
+      </p:nvGrpSpPr>
+      <p:grpSpPr>
+        <a:xfrm>
+          <a:off x="0" y="0"/>
+          <a:ext cx="0" cy="0"/>
+          <a:chOff x="0" y="0"/>
+          <a:chExt cx="0" cy="0"/>
+        </a:xfrm>
+      </p:grpSpPr>
+      <p:sp>
+        <p:nvSpPr>
+          <p:cNvPr id="4" name="文本框 3">
+            <a:extLst>
+              <a:ext uri="{FF2B5EF4-FFF2-40B4-BE49-F238E27FC236}">
+                <a16:creationId xmlns:a16="http://schemas.microsoft.com/office/drawing/2014/main" id="{209567F4-9B5C-49B6-93DE-AFA16503E766}"/>
+              </a:ext>
+            </a:extLst>
+          </p:cNvPr>
+          <p:cNvSpPr txBox="1"/>
+          <p:nvPr/>
+        </p:nvSpPr>
+        <p:spPr>
+          <a:xfrm>
+            <a:off x="342899" y="330200"/>
+            <a:ext cx="3883930" cy="461665"/>
+          </a:xfrm>
+          <a:prstGeom prst="rect">
+            <a:avLst/>
+          </a:prstGeom>
+          <a:noFill/>
+        </p:spPr>
+        <p:txBody>
+          <a:bodyPr wrap="square" rtlCol="0">
+            <a:spAutoFit/>
+          </a:bodyPr>
+          <a:lstStyle/>
+          <a:p>
+            <a:r>
+              <a:rPr lang="en-US" altLang="zh-CN" sz="2400" dirty="0"/>
+              <a:t>|&gt; </a:t>
+            </a:r>
+            <a:r>
+              <a:rPr lang="zh-CN" altLang="en-US" sz="2400" dirty="0"/>
+              <a:t>模型建立</a:t>
+            </a:r>
+            <a:r>
+              <a:rPr lang="en-US" altLang="zh-CN" sz="2400" dirty="0"/>
+              <a:t> </a:t>
+            </a:r>
+            <a:r>
+              <a:rPr lang="zh-CN" altLang="en-US" sz="2400" dirty="0"/>
+              <a:t>（因素分析）</a:t>
+            </a:r>
+          </a:p>
+        </p:txBody>
+      </p:sp>
+      <p:sp>
+        <p:nvSpPr>
+          <p:cNvPr id="6" name="文本框 5">
+            <a:extLst>
+              <a:ext uri="{FF2B5EF4-FFF2-40B4-BE49-F238E27FC236}">
+                <a16:creationId xmlns:a16="http://schemas.microsoft.com/office/drawing/2014/main" id="{2B795E92-C82B-46B1-97E7-01980E96AE9E}"/>
+              </a:ext>
+            </a:extLst>
+          </p:cNvPr>
+          <p:cNvSpPr txBox="1"/>
+          <p:nvPr/>
+        </p:nvSpPr>
+        <p:spPr>
+          <a:xfrm>
+            <a:off x="411993" y="1143295"/>
+            <a:ext cx="7245350" cy="3539430"/>
+          </a:xfrm>
+          <a:prstGeom prst="rect">
+            <a:avLst/>
+          </a:prstGeom>
+          <a:noFill/>
+        </p:spPr>
+        <p:txBody>
+          <a:bodyPr wrap="square" rtlCol="0">
+            <a:spAutoFit/>
+          </a:bodyPr>
+          <a:lstStyle/>
+          <a:p>
+            <a:r>
+              <a:rPr lang="en-US" altLang="zh-CN" b="1" dirty="0"/>
+              <a:t>(ii) </a:t>
+            </a:r>
+            <a:r>
+              <a:rPr lang="zh-CN" altLang="en-US" b="1" dirty="0"/>
+              <a:t>外因</a:t>
+            </a:r>
+          </a:p>
+          <a:p>
+            <a:pPr marL="285750" indent="-285750">
+              <a:buFont typeface="Arial" panose="020B0604020202020204" pitchFamily="34" charset="0"/>
+              <a:buChar char="•"/>
+            </a:pPr>
+            <a:r>
+              <a:rPr lang="zh-CN" altLang="en-US" dirty="0"/>
+              <a:t>共同爱好</a:t>
+            </a:r>
+            <a:endParaRPr lang="en-US" altLang="zh-CN" dirty="0"/>
+          </a:p>
+          <a:p>
+            <a:pPr marL="742950" lvl="1" indent="-285750">
+              <a:buFont typeface="Arial" panose="020B0604020202020204" pitchFamily="34" charset="0"/>
+              <a:buChar char="•"/>
+            </a:pPr>
+            <a:r>
+              <a:rPr lang="zh-CN" altLang="en-US" sz="1600" dirty="0"/>
+              <a:t>虚拟主播圈较普遍的交际圈有</a:t>
+            </a:r>
+            <a:r>
+              <a:rPr lang="zh-CN" altLang="en-US" sz="1600" b="1" dirty="0"/>
+              <a:t>特殊性</a:t>
+            </a:r>
+            <a:r>
+              <a:rPr lang="zh-CN" altLang="en-US" sz="1600" dirty="0"/>
+              <a:t>，因此这一点可以忽略不计。</a:t>
+            </a:r>
+          </a:p>
+          <a:p>
+            <a:pPr marL="285750" indent="-285750">
+              <a:buFont typeface="Arial" panose="020B0604020202020204" pitchFamily="34" charset="0"/>
+              <a:buChar char="•"/>
+            </a:pPr>
+            <a:r>
+              <a:rPr lang="zh-CN" altLang="en-US" dirty="0"/>
+              <a:t>共同朋友</a:t>
+            </a:r>
+            <a:endParaRPr lang="en-US" altLang="zh-CN" dirty="0"/>
+          </a:p>
+          <a:p>
+            <a:pPr marL="742950" lvl="1" indent="-285750">
+              <a:buFont typeface="Arial" panose="020B0604020202020204" pitchFamily="34" charset="0"/>
+              <a:buChar char="•"/>
+            </a:pPr>
+            <a:r>
+              <a:rPr lang="zh-CN" altLang="en-US" sz="1600" b="1" dirty="0"/>
+              <a:t>朋友的交叉程度</a:t>
+            </a:r>
+            <a:r>
+              <a:rPr lang="zh-CN" altLang="en-US" sz="1600" dirty="0"/>
+              <a:t>可以体现出两者之间联系。</a:t>
+            </a:r>
+            <a:endParaRPr lang="en-US" altLang="zh-CN" sz="1600" dirty="0"/>
+          </a:p>
+          <a:p>
+            <a:pPr marL="742950" lvl="1" indent="-285750">
+              <a:buFont typeface="Arial" panose="020B0604020202020204" pitchFamily="34" charset="0"/>
+              <a:buChar char="•"/>
+            </a:pPr>
+            <a:r>
+              <a:rPr lang="zh-CN" altLang="en-US" sz="1600" dirty="0"/>
+              <a:t>粉丝数量庞大，我们难以获取粉丝重合度的数据。</a:t>
+            </a:r>
+            <a:endParaRPr lang="en-US" altLang="zh-CN" sz="1600" dirty="0"/>
+          </a:p>
+          <a:p>
+            <a:pPr marL="742950" lvl="1" indent="-285750">
+              <a:buFont typeface="Arial" panose="020B0604020202020204" pitchFamily="34" charset="0"/>
+              <a:buChar char="•"/>
+            </a:pPr>
+            <a:r>
+              <a:rPr lang="zh-CN" altLang="en-US" sz="1600" b="1" dirty="0"/>
+              <a:t>舰长重合度</a:t>
+            </a:r>
+            <a:r>
+              <a:rPr lang="zh-CN" altLang="en-US" sz="1600" dirty="0"/>
+              <a:t>同样很好地反应粉丝数量。因此，我们假设粉丝重合度等于舰长重合度。</a:t>
+            </a:r>
+          </a:p>
+          <a:p>
+            <a:pPr marL="285750" indent="-285750">
+              <a:buFont typeface="Arial" panose="020B0604020202020204" pitchFamily="34" charset="0"/>
+              <a:buChar char="•"/>
+            </a:pPr>
+            <a:r>
+              <a:rPr lang="zh-CN" altLang="en-US" dirty="0"/>
+              <a:t>地缘关系</a:t>
+            </a:r>
+            <a:endParaRPr lang="en-US" altLang="zh-CN" dirty="0"/>
+          </a:p>
+          <a:p>
+            <a:pPr marL="742950" lvl="1" indent="-285750">
+              <a:buFont typeface="Arial" panose="020B0604020202020204" pitchFamily="34" charset="0"/>
+              <a:buChar char="•"/>
+            </a:pPr>
+            <a:r>
+              <a:rPr lang="zh-CN" altLang="en-US" sz="1600" dirty="0"/>
+              <a:t>互联网中，地缘关系与线下环境不尽相同。</a:t>
+            </a:r>
+            <a:endParaRPr lang="en-US" altLang="zh-CN" sz="1600" dirty="0"/>
+          </a:p>
+          <a:p>
+            <a:pPr marL="742950" lvl="1" indent="-285750">
+              <a:buFont typeface="Arial" panose="020B0604020202020204" pitchFamily="34" charset="0"/>
+              <a:buChar char="•"/>
+            </a:pPr>
+            <a:r>
+              <a:rPr lang="zh-CN" altLang="en-US" sz="1600" dirty="0"/>
+              <a:t>我们假设，虚拟主播的地缘关系与</a:t>
+            </a:r>
+            <a:r>
+              <a:rPr lang="zh-CN" altLang="en-US" sz="1600" b="1" dirty="0"/>
+              <a:t>平台</a:t>
+            </a:r>
+            <a:r>
+              <a:rPr lang="zh-CN" altLang="en-US" sz="1600" dirty="0"/>
+              <a:t>和其所属</a:t>
+            </a:r>
+            <a:r>
+              <a:rPr lang="zh-CN" altLang="en-US" sz="1600" b="1" dirty="0"/>
+              <a:t>公司的企划</a:t>
+            </a:r>
+            <a:r>
+              <a:rPr lang="zh-CN" altLang="en-US" sz="1600" dirty="0"/>
+              <a:t>有关。</a:t>
+            </a:r>
+            <a:endParaRPr lang="en-US" altLang="zh-CN" sz="1600" dirty="0"/>
+          </a:p>
+          <a:p>
+            <a:pPr marL="742950" lvl="1" indent="-285750">
+              <a:buFont typeface="Arial" panose="020B0604020202020204" pitchFamily="34" charset="0"/>
+              <a:buChar char="•"/>
+            </a:pPr>
+            <a:r>
+              <a:rPr lang="zh-CN" altLang="en-US" sz="1600" dirty="0"/>
+              <a:t>在样本范围中交际圈范围，我们将地缘关系假设为虚拟主播所属</a:t>
+            </a:r>
+            <a:r>
+              <a:rPr lang="zh-CN" altLang="en-US" dirty="0"/>
+              <a:t>公司的企划</a:t>
+            </a:r>
+            <a:r>
+              <a:rPr lang="zh-CN" altLang="en-US" sz="1600" dirty="0"/>
+              <a:t>。</a:t>
+            </a:r>
+          </a:p>
+        </p:txBody>
+      </p:sp>
+    </p:spTree>
+    <p:extLst>
+      <p:ext uri="{BB962C8B-B14F-4D97-AF65-F5344CB8AC3E}">
+        <p14:creationId xmlns:p14="http://schemas.microsoft.com/office/powerpoint/2010/main" val="3700252375"/>
+      </p:ext>
+    </p:extLst>
+  </p:cSld>
+  <p:clrMapOvr>
+    <a:masterClrMapping/>
+  </p:clrMapOvr>
+  <mc:AlternateContent xmlns:mc="http://schemas.openxmlformats.org/markup-compatibility/2006">
+    <mc:Choice xmlns:p14="http://schemas.microsoft.com/office/powerpoint/2010/main" Requires="p14">
+      <p:transition p14:dur="0"/>
+    </mc:Choice>
+    <mc:Fallback>
+      <p:transition/>
+    </mc:Fallback>
+  </mc:AlternateContent>
+</p:sld>
+</file>
+
+<file path=ppt/slides/slide7.xml><?xml version="1.0" encoding="utf-8"?>
+<p:sld xmlns:a="http://schemas.openxmlformats.org/drawingml/2006/main" xmlns:r="http://schemas.openxmlformats.org/officeDocument/2006/relationships" xmlns:p="http://schemas.openxmlformats.org/presentationml/2006/main">
+  <p:cSld>
+    <p:spTree>
+      <p:nvGrpSpPr>
+        <p:cNvPr id="1" name=""/>
+        <p:cNvGrpSpPr/>
+        <p:nvPr/>
+      </p:nvGrpSpPr>
+      <p:grpSpPr>
+        <a:xfrm>
+          <a:off x="0" y="0"/>
+          <a:ext cx="0" cy="0"/>
+          <a:chOff x="0" y="0"/>
+          <a:chExt cx="0" cy="0"/>
+        </a:xfrm>
+      </p:grpSpPr>
+      <p:sp>
+        <p:nvSpPr>
+          <p:cNvPr id="4" name="文本框 3">
+            <a:extLst>
+              <a:ext uri="{FF2B5EF4-FFF2-40B4-BE49-F238E27FC236}">
+                <a16:creationId xmlns:a16="http://schemas.microsoft.com/office/drawing/2014/main" id="{209567F4-9B5C-49B6-93DE-AFA16503E766}"/>
+              </a:ext>
+            </a:extLst>
+          </p:cNvPr>
+          <p:cNvSpPr txBox="1"/>
+          <p:nvPr/>
+        </p:nvSpPr>
+        <p:spPr>
+          <a:xfrm>
+            <a:off x="342899" y="330200"/>
+            <a:ext cx="3363145" cy="461665"/>
+          </a:xfrm>
+          <a:prstGeom prst="rect">
+            <a:avLst/>
+          </a:prstGeom>
+          <a:noFill/>
+        </p:spPr>
+        <p:txBody>
+          <a:bodyPr wrap="square" rtlCol="0">
+            <a:spAutoFit/>
+          </a:bodyPr>
+          <a:lstStyle/>
+          <a:p>
+            <a:r>
+              <a:rPr lang="en-US" altLang="zh-CN" sz="2400" dirty="0"/>
+              <a:t>|&gt; </a:t>
+            </a:r>
+            <a:r>
+              <a:rPr lang="zh-CN" altLang="en-US" sz="2400" dirty="0"/>
+              <a:t>模型建立（定义）</a:t>
+            </a:r>
+          </a:p>
+        </p:txBody>
+      </p:sp>
+      <p:pic>
+        <p:nvPicPr>
+          <p:cNvPr id="3" name="图片 2">
+            <a:extLst>
+              <a:ext uri="{FF2B5EF4-FFF2-40B4-BE49-F238E27FC236}">
+                <a16:creationId xmlns:a16="http://schemas.microsoft.com/office/drawing/2014/main" id="{2C5A7DB2-E9EE-4CDF-A156-A9C11BE77D9A}"/>
+              </a:ext>
+            </a:extLst>
+          </p:cNvPr>
+          <p:cNvPicPr>
+            <a:picLocks noChangeAspect="1"/>
+          </p:cNvPicPr>
+          <p:nvPr/>
+        </p:nvPicPr>
+        <p:blipFill>
+          <a:blip r:embed="rId2">
+            <a:extLst>
+              <a:ext uri="{28A0092B-C50C-407E-A947-70E740481C1C}">
+                <a14:useLocalDpi xmlns:a14="http://schemas.microsoft.com/office/drawing/2010/main" val="0"/>
+              </a:ext>
+            </a:extLst>
+          </a:blip>
+          <a:stretch>
+            <a:fillRect/>
+          </a:stretch>
+        </p:blipFill>
+        <p:spPr>
+          <a:xfrm>
+            <a:off x="342899" y="939975"/>
+            <a:ext cx="7455109" cy="3873325"/>
+          </a:xfrm>
+          <a:prstGeom prst="rect">
+            <a:avLst/>
+          </a:prstGeom>
+        </p:spPr>
+      </p:pic>
+    </p:spTree>
+    <p:extLst>
+      <p:ext uri="{BB962C8B-B14F-4D97-AF65-F5344CB8AC3E}">
+        <p14:creationId xmlns:p14="http://schemas.microsoft.com/office/powerpoint/2010/main" val="2688654075"/>
+      </p:ext>
+    </p:extLst>
+  </p:cSld>
+  <p:clrMapOvr>
+    <a:masterClrMapping/>
+  </p:clrMapOvr>
+  <mc:AlternateContent xmlns:mc="http://schemas.openxmlformats.org/markup-compatibility/2006">
+    <mc:Choice xmlns:p14="http://schemas.microsoft.com/office/powerpoint/2010/main" Requires="p14">
+      <p:transition p14:dur="0"/>
+    </mc:Choice>
+    <mc:Fallback>
+      <p:transition/>
+    </mc:Fallback>
+  </mc:AlternateContent>
+</p:sld>
+</file>
+
+<file path=ppt/slides/slide8.xml><?xml version="1.0" encoding="utf-8"?>
+<p:sld xmlns:a="http://schemas.openxmlformats.org/drawingml/2006/main" xmlns:r="http://schemas.openxmlformats.org/officeDocument/2006/relationships" xmlns:p="http://schemas.openxmlformats.org/presentationml/2006/main">
+  <p:cSld>
+    <p:spTree>
+      <p:nvGrpSpPr>
+        <p:cNvPr id="1" name=""/>
+        <p:cNvGrpSpPr/>
+        <p:nvPr/>
+      </p:nvGrpSpPr>
+      <p:grpSpPr>
+        <a:xfrm>
+          <a:off x="0" y="0"/>
+          <a:ext cx="0" cy="0"/>
+          <a:chOff x="0" y="0"/>
+          <a:chExt cx="0" cy="0"/>
+        </a:xfrm>
+      </p:grpSpPr>
+      <p:sp>
+        <p:nvSpPr>
+          <p:cNvPr id="4" name="文本框 3">
+            <a:extLst>
+              <a:ext uri="{FF2B5EF4-FFF2-40B4-BE49-F238E27FC236}">
+                <a16:creationId xmlns:a16="http://schemas.microsoft.com/office/drawing/2014/main" id="{209567F4-9B5C-49B6-93DE-AFA16503E766}"/>
+              </a:ext>
+            </a:extLst>
+          </p:cNvPr>
+          <p:cNvSpPr txBox="1"/>
+          <p:nvPr/>
+        </p:nvSpPr>
+        <p:spPr>
+          <a:xfrm>
+            <a:off x="342898" y="330200"/>
+            <a:ext cx="7245349" cy="461665"/>
+          </a:xfrm>
+          <a:prstGeom prst="rect">
+            <a:avLst/>
+          </a:prstGeom>
+          <a:noFill/>
+        </p:spPr>
+        <p:txBody>
+          <a:bodyPr wrap="square" rtlCol="0">
+            <a:spAutoFit/>
+          </a:bodyPr>
+          <a:lstStyle/>
+          <a:p>
+            <a:r>
+              <a:rPr lang="en-US" altLang="zh-CN" sz="2400" dirty="0"/>
+              <a:t>|&gt; </a:t>
+            </a:r>
+            <a:r>
+              <a:rPr lang="zh-CN" altLang="en-US" sz="2400" dirty="0"/>
+              <a:t>模型建立</a:t>
+            </a:r>
+            <a:r>
+              <a:rPr lang="en-US" altLang="zh-CN" sz="2400" dirty="0"/>
+              <a:t> </a:t>
+            </a:r>
+            <a:r>
+              <a:rPr lang="zh-CN" altLang="en-US" sz="2400" dirty="0"/>
+              <a:t>（样本和数据来源）</a:t>
+            </a:r>
+          </a:p>
+        </p:txBody>
+      </p:sp>
+      <p:sp>
+        <p:nvSpPr>
+          <p:cNvPr id="6" name="文本框 5">
+            <a:extLst>
+              <a:ext uri="{FF2B5EF4-FFF2-40B4-BE49-F238E27FC236}">
+                <a16:creationId xmlns:a16="http://schemas.microsoft.com/office/drawing/2014/main" id="{2B795E92-C82B-46B1-97E7-01980E96AE9E}"/>
+              </a:ext>
+            </a:extLst>
+          </p:cNvPr>
+          <p:cNvSpPr txBox="1"/>
+          <p:nvPr/>
+        </p:nvSpPr>
+        <p:spPr>
+          <a:xfrm>
+            <a:off x="411993" y="1143295"/>
+            <a:ext cx="8465560" cy="2308324"/>
+          </a:xfrm>
+          <a:prstGeom prst="rect">
+            <a:avLst/>
+          </a:prstGeom>
+          <a:noFill/>
+        </p:spPr>
+        <p:txBody>
+          <a:bodyPr wrap="square" rtlCol="0">
+            <a:spAutoFit/>
+          </a:bodyPr>
+          <a:lstStyle/>
+          <a:p>
+            <a:r>
+              <a:rPr lang="zh-CN" altLang="en-US" b="1" dirty="0"/>
+              <a:t>样本：</a:t>
+            </a:r>
+            <a:endParaRPr lang="en-US" altLang="zh-CN" b="1" dirty="0"/>
+          </a:p>
+          <a:p>
+            <a:r>
+              <a:rPr lang="en-US" altLang="zh-CN" b="1" dirty="0"/>
+              <a:t>	</a:t>
+            </a:r>
+            <a:r>
+              <a:rPr lang="zh-CN" altLang="en-US" dirty="0"/>
+              <a:t>哔哩哔哩（</a:t>
+            </a:r>
+            <a:r>
+              <a:rPr lang="en-US" altLang="zh-CN" dirty="0"/>
+              <a:t>bilibili.com</a:t>
+            </a:r>
+            <a:r>
+              <a:rPr lang="zh-CN" altLang="en-US" dirty="0"/>
+              <a:t>）</a:t>
+            </a:r>
+            <a:r>
+              <a:rPr lang="en-US" altLang="zh-CN" dirty="0"/>
+              <a:t>2022</a:t>
+            </a:r>
+            <a:r>
+              <a:rPr lang="zh-CN" altLang="en-US" dirty="0"/>
+              <a:t>年</a:t>
+            </a:r>
+            <a:r>
+              <a:rPr lang="en-US" altLang="zh-CN" dirty="0"/>
+              <a:t>3</a:t>
+            </a:r>
+            <a:r>
+              <a:rPr lang="zh-CN" altLang="en-US" dirty="0"/>
+              <a:t>月</a:t>
+            </a:r>
+            <a:r>
+              <a:rPr lang="en-US" altLang="zh-CN" dirty="0"/>
+              <a:t>7</a:t>
+            </a:r>
+            <a:r>
+              <a:rPr lang="zh-CN" altLang="en-US" dirty="0"/>
+              <a:t>日</a:t>
+            </a:r>
+            <a:r>
+              <a:rPr lang="en-US" altLang="zh-CN" dirty="0"/>
+              <a:t>6</a:t>
+            </a:r>
+            <a:r>
+              <a:rPr lang="zh-CN" altLang="en-US" dirty="0"/>
+              <a:t>时</a:t>
+            </a:r>
+            <a:r>
+              <a:rPr lang="en-US" altLang="zh-CN" dirty="0"/>
+              <a:t>18</a:t>
+            </a:r>
+            <a:r>
+              <a:rPr lang="zh-CN" altLang="en-US" dirty="0"/>
+              <a:t>分时刻粉丝数</a:t>
+            </a:r>
+            <a:r>
+              <a:rPr lang="en-US" altLang="zh-CN" dirty="0"/>
+              <a:t>Top500</a:t>
+            </a:r>
+            <a:r>
+              <a:rPr lang="zh-CN" altLang="en-US" dirty="0"/>
+              <a:t>的直播势虚拟主播（通过 </a:t>
+            </a:r>
+            <a:r>
+              <a:rPr lang="en-US" altLang="zh-CN" dirty="0">
+                <a:hlinkClick r:id="rId2"/>
+              </a:rPr>
+              <a:t>https://vtbs.moe/</a:t>
+            </a:r>
+            <a:r>
+              <a:rPr lang="en-US" altLang="zh-CN" dirty="0"/>
+              <a:t> </a:t>
+            </a:r>
+            <a:r>
+              <a:rPr lang="zh-CN" altLang="en-US" dirty="0"/>
+              <a:t>实时数据获取）。</a:t>
+            </a:r>
+            <a:endParaRPr lang="en-US" altLang="zh-CN" dirty="0"/>
+          </a:p>
+          <a:p>
+            <a:endParaRPr lang="en-US" altLang="zh-CN" dirty="0"/>
+          </a:p>
+          <a:p>
+            <a:endParaRPr lang="zh-CN" altLang="en-US" dirty="0"/>
+          </a:p>
+          <a:p>
+            <a:r>
+              <a:rPr lang="zh-CN" altLang="en-US" b="1" dirty="0"/>
+              <a:t>舰长、视频播放量、视频数量等：</a:t>
+            </a:r>
+            <a:endParaRPr lang="en-US" altLang="zh-CN" b="1" dirty="0"/>
+          </a:p>
+          <a:p>
+            <a:r>
+              <a:rPr lang="en-US" altLang="zh-CN" b="1" dirty="0"/>
+              <a:t>	</a:t>
+            </a:r>
+            <a:r>
+              <a:rPr lang="zh-CN" altLang="en-US" dirty="0"/>
+              <a:t>小组成员使用脚本，通过</a:t>
+            </a:r>
+            <a:r>
+              <a:rPr lang="en-US" altLang="zh-CN" dirty="0"/>
+              <a:t>B</a:t>
+            </a:r>
+            <a:r>
+              <a:rPr lang="zh-CN" altLang="en-US" dirty="0"/>
+              <a:t>站官方</a:t>
+            </a:r>
+            <a:r>
+              <a:rPr lang="en-US" altLang="zh-CN" dirty="0"/>
+              <a:t>API</a:t>
+            </a:r>
+            <a:r>
+              <a:rPr lang="zh-CN" altLang="en-US" dirty="0"/>
+              <a:t>接口（ </a:t>
+            </a:r>
+            <a:r>
+              <a:rPr lang="en-US" altLang="zh-CN" dirty="0">
+                <a:hlinkClick r:id="rId3"/>
+              </a:rPr>
+              <a:t>https://api.live.bilibili.com/</a:t>
+            </a:r>
+            <a:r>
+              <a:rPr lang="en-US" altLang="zh-CN" dirty="0"/>
+              <a:t> </a:t>
+            </a:r>
+            <a:r>
+              <a:rPr lang="zh-CN" altLang="en-US" dirty="0"/>
+              <a:t>）爬取，最终数据获取时间为</a:t>
+            </a:r>
+            <a:r>
+              <a:rPr lang="en-US" altLang="zh-CN" dirty="0"/>
+              <a:t>2022</a:t>
+            </a:r>
+            <a:r>
+              <a:rPr lang="zh-CN" altLang="en-US" dirty="0"/>
+              <a:t>年</a:t>
+            </a:r>
+            <a:r>
+              <a:rPr lang="en-US" altLang="zh-CN" dirty="0"/>
+              <a:t>3</a:t>
+            </a:r>
+            <a:r>
+              <a:rPr lang="zh-CN" altLang="en-US" dirty="0"/>
+              <a:t>月</a:t>
+            </a:r>
+            <a:r>
+              <a:rPr lang="en-US" altLang="zh-CN" dirty="0"/>
+              <a:t>7</a:t>
+            </a:r>
+            <a:r>
+              <a:rPr lang="zh-CN" altLang="en-US" dirty="0"/>
+              <a:t>日</a:t>
+            </a:r>
+            <a:r>
+              <a:rPr lang="en-US" altLang="zh-CN" dirty="0"/>
+              <a:t>10</a:t>
+            </a:r>
+            <a:r>
+              <a:rPr lang="zh-CN" altLang="en-US" dirty="0"/>
+              <a:t>时。</a:t>
+            </a:r>
+          </a:p>
+        </p:txBody>
+      </p:sp>
+    </p:spTree>
+    <p:extLst>
+      <p:ext uri="{BB962C8B-B14F-4D97-AF65-F5344CB8AC3E}">
+        <p14:creationId xmlns:p14="http://schemas.microsoft.com/office/powerpoint/2010/main" val="2278186081"/>
+      </p:ext>
+    </p:extLst>
+  </p:cSld>
+  <p:clrMapOvr>
+    <a:masterClrMapping/>
+  </p:clrMapOvr>
+  <mc:AlternateContent xmlns:mc="http://schemas.openxmlformats.org/markup-compatibility/2006">
+    <mc:Choice xmlns:p14="http://schemas.microsoft.com/office/powerpoint/2010/main" Requires="p14">
+      <p:transition p14:dur="0"/>
+    </mc:Choice>
+    <mc:Fallback>
+      <p:transition/>
+    </mc:Fallback>
+  </mc:AlternateContent>
+</p:sld>
+</file>
+
+<file path=ppt/slides/slide9.xml><?xml version="1.0" encoding="utf-8"?>
+<p:sld xmlns:a="http://schemas.openxmlformats.org/drawingml/2006/main" xmlns:r="http://schemas.openxmlformats.org/officeDocument/2006/relationships" xmlns:p="http://schemas.openxmlformats.org/presentationml/2006/main">
+  <p:cSld>
+    <p:spTree>
+      <p:nvGrpSpPr>
+        <p:cNvPr id="1" name=""/>
+        <p:cNvGrpSpPr/>
+        <p:nvPr/>
+      </p:nvGrpSpPr>
+      <p:grpSpPr>
+        <a:xfrm>
+          <a:off x="0" y="0"/>
+          <a:ext cx="0" cy="0"/>
+          <a:chOff x="0" y="0"/>
+          <a:chExt cx="0" cy="0"/>
+        </a:xfrm>
+      </p:grpSpPr>
+      <p:sp>
+        <p:nvSpPr>
+          <p:cNvPr id="4" name="文本框 3">
+            <a:extLst>
+              <a:ext uri="{FF2B5EF4-FFF2-40B4-BE49-F238E27FC236}">
+                <a16:creationId xmlns:a16="http://schemas.microsoft.com/office/drawing/2014/main" id="{209567F4-9B5C-49B6-93DE-AFA16503E766}"/>
+              </a:ext>
+            </a:extLst>
+          </p:cNvPr>
+          <p:cNvSpPr txBox="1"/>
+          <p:nvPr/>
+        </p:nvSpPr>
+        <p:spPr>
+          <a:xfrm>
+            <a:off x="342898" y="330200"/>
+            <a:ext cx="7245349" cy="461665"/>
+          </a:xfrm>
+          <a:prstGeom prst="rect">
+            <a:avLst/>
+          </a:prstGeom>
+          <a:noFill/>
+        </p:spPr>
+        <p:txBody>
+          <a:bodyPr wrap="square" rtlCol="0">
+            <a:spAutoFit/>
+          </a:bodyPr>
+          <a:lstStyle/>
+          <a:p>
+            <a:r>
+              <a:rPr lang="en-US" altLang="zh-CN" sz="2400" dirty="0"/>
+              <a:t>|&gt; </a:t>
+            </a:r>
+            <a:r>
+              <a:rPr lang="zh-CN" altLang="en-US" sz="2400" dirty="0"/>
+              <a:t>模型建立</a:t>
+            </a:r>
+            <a:r>
+              <a:rPr lang="en-US" altLang="zh-CN" sz="2400" dirty="0"/>
+              <a:t> </a:t>
+            </a:r>
+            <a:r>
+              <a:rPr lang="zh-CN" altLang="en-US" sz="2400" dirty="0"/>
+              <a:t>（</a:t>
+            </a:r>
+            <a:r>
+              <a:rPr lang="en-US" altLang="zh-CN" sz="2400" dirty="0">
+                <a:latin typeface="+mn-ea"/>
+              </a:rPr>
+              <a:t> SNA</a:t>
+            </a:r>
+            <a:r>
+              <a:rPr lang="zh-CN" altLang="en-US" sz="2400" dirty="0"/>
+              <a:t>算法的理论实现）</a:t>
+            </a:r>
+          </a:p>
+        </p:txBody>
+      </p:sp>
+      <p:sp>
+        <p:nvSpPr>
+          <p:cNvPr id="6" name="文本框 5">
+            <a:extLst>
+              <a:ext uri="{FF2B5EF4-FFF2-40B4-BE49-F238E27FC236}">
+                <a16:creationId xmlns:a16="http://schemas.microsoft.com/office/drawing/2014/main" id="{2B795E92-C82B-46B1-97E7-01980E96AE9E}"/>
+              </a:ext>
+            </a:extLst>
+          </p:cNvPr>
+          <p:cNvSpPr txBox="1"/>
+          <p:nvPr/>
+        </p:nvSpPr>
+        <p:spPr>
+          <a:xfrm>
+            <a:off x="448327" y="1022183"/>
+            <a:ext cx="8465560" cy="369332"/>
+          </a:xfrm>
+          <a:prstGeom prst="rect">
+            <a:avLst/>
+          </a:prstGeom>
+          <a:noFill/>
+        </p:spPr>
+        <p:txBody>
+          <a:bodyPr wrap="square" rtlCol="0">
+            <a:spAutoFit/>
+          </a:bodyPr>
+          <a:lstStyle/>
+          <a:p>
+            <a:r>
+              <a:rPr lang="zh-CN" altLang="en-US" dirty="0"/>
+              <a:t>在模型假设中，我们已经知道了相关的变量，这里用字母表示：</a:t>
+            </a:r>
+            <a:endParaRPr lang="zh-CN" altLang="en-US" dirty="0">
+              <a:latin typeface="+mn-ea"/>
+            </a:endParaRPr>
+          </a:p>
+        </p:txBody>
+      </p:sp>
+      <p:grpSp>
+        <p:nvGrpSpPr>
+          <p:cNvPr id="5" name="组合 4">
+            <a:extLst>
+              <a:ext uri="{FF2B5EF4-FFF2-40B4-BE49-F238E27FC236}">
+                <a16:creationId xmlns:a16="http://schemas.microsoft.com/office/drawing/2014/main" id="{D1EC3123-070B-4BCC-87DD-21779AE1D0AD}"/>
+              </a:ext>
+            </a:extLst>
+          </p:cNvPr>
+          <p:cNvGrpSpPr/>
+          <p:nvPr/>
+        </p:nvGrpSpPr>
+        <p:grpSpPr>
+          <a:xfrm>
+            <a:off x="448327" y="1674257"/>
+            <a:ext cx="6772275" cy="2447060"/>
+            <a:chOff x="525798" y="1391515"/>
+            <a:chExt cx="6772275" cy="2447060"/>
+          </a:xfrm>
+        </p:grpSpPr>
+        <p:pic>
+          <p:nvPicPr>
+            <p:cNvPr id="2" name="图片 1">
+              <a:extLst>
+                <a:ext uri="{FF2B5EF4-FFF2-40B4-BE49-F238E27FC236}">
+                  <a16:creationId xmlns:a16="http://schemas.microsoft.com/office/drawing/2014/main" id="{FFDF4CD9-6C0E-4F31-8D6C-CDBB413536C1}"/>
+                </a:ext>
+              </a:extLst>
+            </p:cNvPr>
+            <p:cNvPicPr>
+              <a:picLocks noChangeAspect="1"/>
+            </p:cNvPicPr>
+            <p:nvPr/>
+          </p:nvPicPr>
+          <p:blipFill>
+            <a:blip r:embed="rId2"/>
+            <a:stretch>
+              <a:fillRect/>
+            </a:stretch>
+          </p:blipFill>
+          <p:spPr>
+            <a:xfrm>
+              <a:off x="525798" y="1391515"/>
+              <a:ext cx="6772275" cy="1409700"/>
+            </a:xfrm>
+            <a:prstGeom prst="rect">
+              <a:avLst/>
+            </a:prstGeom>
+          </p:spPr>
+        </p:pic>
+        <p:pic>
+          <p:nvPicPr>
+            <p:cNvPr id="3" name="图片 2">
+              <a:extLst>
+                <a:ext uri="{FF2B5EF4-FFF2-40B4-BE49-F238E27FC236}">
+                  <a16:creationId xmlns:a16="http://schemas.microsoft.com/office/drawing/2014/main" id="{834AAB3E-C5CF-4891-B1B3-5E484E359C50}"/>
+                </a:ext>
+              </a:extLst>
+            </p:cNvPr>
+            <p:cNvPicPr>
+              <a:picLocks noChangeAspect="1"/>
+            </p:cNvPicPr>
+            <p:nvPr/>
+          </p:nvPicPr>
+          <p:blipFill>
+            <a:blip r:embed="rId3"/>
+            <a:stretch>
+              <a:fillRect/>
+            </a:stretch>
+          </p:blipFill>
+          <p:spPr>
+            <a:xfrm>
+              <a:off x="525798" y="2571750"/>
+              <a:ext cx="6715125" cy="1266825"/>
+            </a:xfrm>
+            <a:prstGeom prst="rect">
+              <a:avLst/>
+            </a:prstGeom>
+          </p:spPr>
+        </p:pic>
+      </p:grpSp>
+    </p:spTree>
+    <p:extLst>
+      <p:ext uri="{BB962C8B-B14F-4D97-AF65-F5344CB8AC3E}">
+        <p14:creationId xmlns:p14="http://schemas.microsoft.com/office/powerpoint/2010/main" val="1097711077"/>
+      </p:ext>
+    </p:extLst>
+  </p:cSld>
+  <p:clrMapOvr>
+    <a:masterClrMapping/>
+  </p:clrMapOvr>
+  <mc:AlternateContent xmlns:mc="http://schemas.openxmlformats.org/markup-compatibility/2006">
+    <mc:Choice xmlns:p14="http://schemas.microsoft.com/office/powerpoint/2010/main" Requires="p14">
+      <p:transition p14:dur="0"/>
+    </mc:Choice>
+    <mc:Fallback>
+      <p:transition/>
     </mc:Fallback>
   </mc:AlternateContent>
 </p:sld>
